--- a/2024年/周报20240419.pptx
+++ b/2024年/周报20240419.pptx
@@ -3,21 +3,22 @@
 <p:presentation xmlns:a="http://schemas.openxmlformats.org/drawingml/2006/main" xmlns:r="http://schemas.openxmlformats.org/officeDocument/2006/relationships" xmlns:p="http://schemas.openxmlformats.org/presentationml/2006/main">
   <p:sldMasterIdLst>
     <p:sldMasterId id="2147483648" r:id="rId1"/>
-    <p:sldMasterId id="2147483660" r:id="rId2"/>
+    <p:sldMasterId id="2147483660" r:id="rId3"/>
   </p:sldMasterIdLst>
   <p:notesMasterIdLst>
-    <p:notesMasterId r:id="rId7"/>
+    <p:notesMasterId r:id="rId6"/>
   </p:notesMasterIdLst>
   <p:sldIdLst>
-    <p:sldId id="256" r:id="rId3"/>
-    <p:sldId id="294" r:id="rId4"/>
-    <p:sldId id="301" r:id="rId5"/>
-    <p:sldId id="298" r:id="rId6"/>
+    <p:sldId id="256" r:id="rId4"/>
+    <p:sldId id="294" r:id="rId5"/>
+    <p:sldId id="301" r:id="rId7"/>
+    <p:sldId id="303" r:id="rId8"/>
+    <p:sldId id="298" r:id="rId9"/>
   </p:sldIdLst>
-  <p:sldSz cx="21674138" cy="12192000"/>
+  <p:sldSz cx="21673820" cy="12192000"/>
   <p:notesSz cx="6858000" cy="9144000"/>
   <p:custDataLst>
-    <p:tags r:id="rId8"/>
+    <p:tags r:id="rId13"/>
   </p:custDataLst>
   <p:defaultTextStyle>
     <a:defPPr>
@@ -114,11 +115,6 @@
       </a:defRPr>
     </a:lvl9pPr>
   </p:defaultTextStyle>
-  <p:extLst>
-    <p:ext uri="{EFAFB233-063F-42B5-8137-9DF3F51BA10A}">
-      <p15:sldGuideLst xmlns:p15="http://schemas.microsoft.com/office/powerpoint/2012/main"/>
-    </p:ext>
-  </p:extLst>
 </p:presentation>
 </file>
 
@@ -204,7 +200,6 @@
           <a:p>
             <a:fld id="{92A886A3-F3BF-43BF-98DA-550FC405FF30}" type="datetimeFigureOut">
               <a:rPr lang="zh-CN" altLang="en-US" smtClean="0"/>
-              <a:t>2024/4/18</a:t>
             </a:fld>
             <a:endParaRPr lang="zh-CN" altLang="en-US"/>
           </a:p>
@@ -271,6 +266,7 @@
               <a:rPr lang="zh-CN" altLang="en-US"/>
               <a:t>编辑母版文本样式</a:t>
             </a:r>
+            <a:endParaRPr lang="zh-CN" altLang="en-US"/>
           </a:p>
           <a:p>
             <a:pPr lvl="1"/>
@@ -278,6 +274,7 @@
               <a:rPr lang="zh-CN" altLang="en-US"/>
               <a:t>第二级</a:t>
             </a:r>
+            <a:endParaRPr lang="zh-CN" altLang="en-US"/>
           </a:p>
           <a:p>
             <a:pPr lvl="2"/>
@@ -285,6 +282,7 @@
               <a:rPr lang="zh-CN" altLang="en-US"/>
               <a:t>第三级</a:t>
             </a:r>
+            <a:endParaRPr lang="zh-CN" altLang="en-US"/>
           </a:p>
           <a:p>
             <a:pPr lvl="3"/>
@@ -292,6 +290,7 @@
               <a:rPr lang="zh-CN" altLang="en-US"/>
               <a:t>第四级</a:t>
             </a:r>
+            <a:endParaRPr lang="zh-CN" altLang="en-US"/>
           </a:p>
           <a:p>
             <a:pPr lvl="4"/>
@@ -299,6 +298,7 @@
               <a:rPr lang="zh-CN" altLang="en-US"/>
               <a:t>第五级</a:t>
             </a:r>
+            <a:endParaRPr lang="zh-CN" altLang="en-US"/>
           </a:p>
         </p:txBody>
       </p:sp>
@@ -362,7 +362,6 @@
           <a:p>
             <a:fld id="{20243972-8437-4FFD-A994-054600F4BB13}" type="slidenum">
               <a:rPr lang="zh-CN" altLang="en-US" smtClean="0"/>
-              <a:t>‹#›</a:t>
             </a:fld>
             <a:endParaRPr lang="zh-CN" altLang="en-US"/>
           </a:p>
@@ -531,7 +530,6 @@
           <a:p>
             <a:fld id="{20243972-8437-4FFD-A994-054600F4BB13}" type="slidenum">
               <a:rPr lang="zh-CN" altLang="en-US" smtClean="0"/>
-              <a:t>2</a:t>
             </a:fld>
             <a:endParaRPr lang="zh-CN" altLang="en-US"/>
           </a:p>
@@ -610,7 +608,6 @@
           <a:p>
             <a:fld id="{20243972-8437-4FFD-A994-054600F4BB13}" type="slidenum">
               <a:rPr lang="zh-CN" altLang="en-US" smtClean="0"/>
-              <a:t>3</a:t>
             </a:fld>
             <a:endParaRPr lang="zh-CN" altLang="en-US"/>
           </a:p>
@@ -689,7 +686,84 @@
           <a:p>
             <a:fld id="{20243972-8437-4FFD-A994-054600F4BB13}" type="slidenum">
               <a:rPr lang="zh-CN" altLang="en-US" smtClean="0"/>
-              <a:t>4</a:t>
+            </a:fld>
+            <a:endParaRPr lang="zh-CN" altLang="en-US"/>
+          </a:p>
+        </p:txBody>
+      </p:sp>
+    </p:spTree>
+  </p:cSld>
+  <p:clrMapOvr>
+    <a:masterClrMapping/>
+  </p:clrMapOvr>
+</p:notes>
+</file>
+
+<file path=ppt/notesSlides/notesSlide4.xml><?xml version="1.0" encoding="utf-8"?>
+<p:notes xmlns:a="http://schemas.openxmlformats.org/drawingml/2006/main" xmlns:r="http://schemas.openxmlformats.org/officeDocument/2006/relationships" xmlns:p="http://schemas.openxmlformats.org/presentationml/2006/main">
+  <p:cSld>
+    <p:spTree>
+      <p:nvGrpSpPr>
+        <p:cNvPr id="1" name=""/>
+        <p:cNvGrpSpPr/>
+        <p:nvPr/>
+      </p:nvGrpSpPr>
+      <p:grpSpPr>
+        <a:xfrm>
+          <a:off x="0" y="0"/>
+          <a:ext cx="0" cy="0"/>
+          <a:chOff x="0" y="0"/>
+          <a:chExt cx="0" cy="0"/>
+        </a:xfrm>
+      </p:grpSpPr>
+      <p:sp>
+        <p:nvSpPr>
+          <p:cNvPr id="2" name="幻灯片图像占位符 1"/>
+          <p:cNvSpPr>
+            <a:spLocks noGrp="1" noRot="1" noChangeAspect="1"/>
+          </p:cNvSpPr>
+          <p:nvPr>
+            <p:ph type="sldImg"/>
+          </p:nvPr>
+        </p:nvSpPr>
+        <p:spPr/>
+      </p:sp>
+      <p:sp>
+        <p:nvSpPr>
+          <p:cNvPr id="3" name="备注占位符 2"/>
+          <p:cNvSpPr>
+            <a:spLocks noGrp="1"/>
+          </p:cNvSpPr>
+          <p:nvPr>
+            <p:ph type="body" idx="1"/>
+          </p:nvPr>
+        </p:nvSpPr>
+        <p:spPr/>
+        <p:txBody>
+          <a:bodyPr/>
+          <a:lstStyle/>
+          <a:p>
+            <a:endParaRPr lang="zh-CN" altLang="en-US" dirty="0"/>
+          </a:p>
+        </p:txBody>
+      </p:sp>
+      <p:sp>
+        <p:nvSpPr>
+          <p:cNvPr id="4" name="灯片编号占位符 3"/>
+          <p:cNvSpPr>
+            <a:spLocks noGrp="1"/>
+          </p:cNvSpPr>
+          <p:nvPr>
+            <p:ph type="sldNum" sz="quarter" idx="5"/>
+          </p:nvPr>
+        </p:nvSpPr>
+        <p:spPr/>
+        <p:txBody>
+          <a:bodyPr/>
+          <a:lstStyle/>
+          <a:p>
+            <a:fld id="{20243972-8437-4FFD-A994-054600F4BB13}" type="slidenum">
+              <a:rPr lang="zh-CN" altLang="en-US" smtClean="0"/>
             </a:fld>
             <a:endParaRPr lang="zh-CN" altLang="en-US"/>
           </a:p>
@@ -748,6 +822,7 @@
               <a:rPr lang="zh-CN" altLang="en-US"/>
               <a:t>单击此处编辑母版标题样式</a:t>
             </a:r>
+            <a:endParaRPr lang="zh-CN" altLang="en-US"/>
           </a:p>
         </p:txBody>
       </p:sp>
@@ -812,6 +887,7 @@
               <a:rPr lang="zh-CN" altLang="en-US"/>
               <a:t>单击此处编辑母版副标题样式</a:t>
             </a:r>
+            <a:endParaRPr lang="zh-CN" altLang="en-US"/>
           </a:p>
         </p:txBody>
       </p:sp>
@@ -832,7 +908,6 @@
           <a:p>
             <a:fld id="{A94AD69E-FE2F-4EDF-9961-DCA2A010D4E8}" type="datetimeFigureOut">
               <a:rPr lang="zh-CN" altLang="en-US" smtClean="0"/>
-              <a:t>2024/4/18</a:t>
             </a:fld>
             <a:endParaRPr lang="zh-CN" altLang="en-US"/>
           </a:p>
@@ -874,7 +949,6 @@
           <a:p>
             <a:fld id="{D136606D-2876-4B42-B906-0F01D489F363}" type="slidenum">
               <a:rPr lang="zh-CN" altLang="en-US" smtClean="0"/>
-              <a:t>‹#›</a:t>
             </a:fld>
             <a:endParaRPr lang="zh-CN" altLang="en-US"/>
           </a:p>
@@ -924,6 +998,7 @@
               <a:rPr lang="zh-CN" altLang="en-US"/>
               <a:t>单击此处编辑母版标题样式</a:t>
             </a:r>
+            <a:endParaRPr lang="zh-CN" altLang="en-US"/>
           </a:p>
         </p:txBody>
       </p:sp>
@@ -947,6 +1022,7 @@
               <a:rPr lang="zh-CN" altLang="en-US"/>
               <a:t>编辑母版文本样式</a:t>
             </a:r>
+            <a:endParaRPr lang="zh-CN" altLang="en-US"/>
           </a:p>
           <a:p>
             <a:pPr lvl="1"/>
@@ -954,6 +1030,7 @@
               <a:rPr lang="zh-CN" altLang="en-US"/>
               <a:t>第二级</a:t>
             </a:r>
+            <a:endParaRPr lang="zh-CN" altLang="en-US"/>
           </a:p>
           <a:p>
             <a:pPr lvl="2"/>
@@ -961,6 +1038,7 @@
               <a:rPr lang="zh-CN" altLang="en-US"/>
               <a:t>第三级</a:t>
             </a:r>
+            <a:endParaRPr lang="zh-CN" altLang="en-US"/>
           </a:p>
           <a:p>
             <a:pPr lvl="3"/>
@@ -968,6 +1046,7 @@
               <a:rPr lang="zh-CN" altLang="en-US"/>
               <a:t>第四级</a:t>
             </a:r>
+            <a:endParaRPr lang="zh-CN" altLang="en-US"/>
           </a:p>
           <a:p>
             <a:pPr lvl="4"/>
@@ -975,6 +1054,7 @@
               <a:rPr lang="zh-CN" altLang="en-US"/>
               <a:t>第五级</a:t>
             </a:r>
+            <a:endParaRPr lang="zh-CN" altLang="en-US"/>
           </a:p>
         </p:txBody>
       </p:sp>
@@ -995,7 +1075,6 @@
           <a:p>
             <a:fld id="{A94AD69E-FE2F-4EDF-9961-DCA2A010D4E8}" type="datetimeFigureOut">
               <a:rPr lang="zh-CN" altLang="en-US" smtClean="0"/>
-              <a:t>2024/4/18</a:t>
             </a:fld>
             <a:endParaRPr lang="zh-CN" altLang="en-US"/>
           </a:p>
@@ -1037,7 +1116,6 @@
           <a:p>
             <a:fld id="{D136606D-2876-4B42-B906-0F01D489F363}" type="slidenum">
               <a:rPr lang="zh-CN" altLang="en-US" smtClean="0"/>
-              <a:t>‹#›</a:t>
             </a:fld>
             <a:endParaRPr lang="zh-CN" altLang="en-US"/>
           </a:p>
@@ -1092,6 +1170,7 @@
               <a:rPr lang="zh-CN" altLang="en-US"/>
               <a:t>单击此处编辑母版标题样式</a:t>
             </a:r>
+            <a:endParaRPr lang="zh-CN" altLang="en-US"/>
           </a:p>
         </p:txBody>
       </p:sp>
@@ -1120,6 +1199,7 @@
               <a:rPr lang="zh-CN" altLang="en-US"/>
               <a:t>编辑母版文本样式</a:t>
             </a:r>
+            <a:endParaRPr lang="zh-CN" altLang="en-US"/>
           </a:p>
           <a:p>
             <a:pPr lvl="1"/>
@@ -1127,6 +1207,7 @@
               <a:rPr lang="zh-CN" altLang="en-US"/>
               <a:t>第二级</a:t>
             </a:r>
+            <a:endParaRPr lang="zh-CN" altLang="en-US"/>
           </a:p>
           <a:p>
             <a:pPr lvl="2"/>
@@ -1134,6 +1215,7 @@
               <a:rPr lang="zh-CN" altLang="en-US"/>
               <a:t>第三级</a:t>
             </a:r>
+            <a:endParaRPr lang="zh-CN" altLang="en-US"/>
           </a:p>
           <a:p>
             <a:pPr lvl="3"/>
@@ -1141,6 +1223,7 @@
               <a:rPr lang="zh-CN" altLang="en-US"/>
               <a:t>第四级</a:t>
             </a:r>
+            <a:endParaRPr lang="zh-CN" altLang="en-US"/>
           </a:p>
           <a:p>
             <a:pPr lvl="4"/>
@@ -1148,6 +1231,7 @@
               <a:rPr lang="zh-CN" altLang="en-US"/>
               <a:t>第五级</a:t>
             </a:r>
+            <a:endParaRPr lang="zh-CN" altLang="en-US"/>
           </a:p>
         </p:txBody>
       </p:sp>
@@ -1168,7 +1252,6 @@
           <a:p>
             <a:fld id="{A94AD69E-FE2F-4EDF-9961-DCA2A010D4E8}" type="datetimeFigureOut">
               <a:rPr lang="zh-CN" altLang="en-US" smtClean="0"/>
-              <a:t>2024/4/18</a:t>
             </a:fld>
             <a:endParaRPr lang="zh-CN" altLang="en-US"/>
           </a:p>
@@ -1210,7 +1293,6 @@
           <a:p>
             <a:fld id="{D136606D-2876-4B42-B906-0F01D489F363}" type="slidenum">
               <a:rPr lang="zh-CN" altLang="en-US" smtClean="0"/>
-              <a:t>‹#›</a:t>
             </a:fld>
             <a:endParaRPr lang="zh-CN" altLang="en-US"/>
           </a:p>
@@ -1269,6 +1351,7 @@
               <a:rPr lang="zh-CN" altLang="en-US"/>
               <a:t>单击此处编辑母版标题样式</a:t>
             </a:r>
+            <a:endParaRPr lang="zh-CN" altLang="en-US"/>
           </a:p>
         </p:txBody>
       </p:sp>
@@ -1333,6 +1416,7 @@
               <a:rPr lang="zh-CN" altLang="en-US"/>
               <a:t>单击此处编辑母版副标题样式</a:t>
             </a:r>
+            <a:endParaRPr lang="zh-CN" altLang="en-US"/>
           </a:p>
         </p:txBody>
       </p:sp>
@@ -1353,7 +1437,6 @@
           <a:p>
             <a:fld id="{A94AD69E-FE2F-4EDF-9961-DCA2A010D4E8}" type="datetimeFigureOut">
               <a:rPr lang="zh-CN" altLang="en-US" smtClean="0"/>
-              <a:t>2024/4/18</a:t>
             </a:fld>
             <a:endParaRPr lang="zh-CN" altLang="en-US"/>
           </a:p>
@@ -1395,7 +1478,6 @@
           <a:p>
             <a:fld id="{D136606D-2876-4B42-B906-0F01D489F363}" type="slidenum">
               <a:rPr lang="zh-CN" altLang="en-US" smtClean="0"/>
-              <a:t>‹#›</a:t>
             </a:fld>
             <a:endParaRPr lang="zh-CN" altLang="en-US"/>
           </a:p>
@@ -1445,6 +1527,7 @@
               <a:rPr lang="zh-CN" altLang="en-US"/>
               <a:t>单击此处编辑母版标题样式</a:t>
             </a:r>
+            <a:endParaRPr lang="zh-CN" altLang="en-US"/>
           </a:p>
         </p:txBody>
       </p:sp>
@@ -1468,6 +1551,7 @@
               <a:rPr lang="zh-CN" altLang="en-US"/>
               <a:t>编辑母版文本样式</a:t>
             </a:r>
+            <a:endParaRPr lang="zh-CN" altLang="en-US"/>
           </a:p>
           <a:p>
             <a:pPr lvl="1"/>
@@ -1475,6 +1559,7 @@
               <a:rPr lang="zh-CN" altLang="en-US"/>
               <a:t>第二级</a:t>
             </a:r>
+            <a:endParaRPr lang="zh-CN" altLang="en-US"/>
           </a:p>
           <a:p>
             <a:pPr lvl="2"/>
@@ -1482,6 +1567,7 @@
               <a:rPr lang="zh-CN" altLang="en-US"/>
               <a:t>第三级</a:t>
             </a:r>
+            <a:endParaRPr lang="zh-CN" altLang="en-US"/>
           </a:p>
           <a:p>
             <a:pPr lvl="3"/>
@@ -1489,6 +1575,7 @@
               <a:rPr lang="zh-CN" altLang="en-US"/>
               <a:t>第四级</a:t>
             </a:r>
+            <a:endParaRPr lang="zh-CN" altLang="en-US"/>
           </a:p>
           <a:p>
             <a:pPr lvl="4"/>
@@ -1496,6 +1583,7 @@
               <a:rPr lang="zh-CN" altLang="en-US"/>
               <a:t>第五级</a:t>
             </a:r>
+            <a:endParaRPr lang="zh-CN" altLang="en-US"/>
           </a:p>
         </p:txBody>
       </p:sp>
@@ -1516,7 +1604,6 @@
           <a:p>
             <a:fld id="{A94AD69E-FE2F-4EDF-9961-DCA2A010D4E8}" type="datetimeFigureOut">
               <a:rPr lang="zh-CN" altLang="en-US" smtClean="0"/>
-              <a:t>2024/4/18</a:t>
             </a:fld>
             <a:endParaRPr lang="zh-CN" altLang="en-US"/>
           </a:p>
@@ -1558,7 +1645,6 @@
           <a:p>
             <a:fld id="{D136606D-2876-4B42-B906-0F01D489F363}" type="slidenum">
               <a:rPr lang="zh-CN" altLang="en-US" smtClean="0"/>
-              <a:t>‹#›</a:t>
             </a:fld>
             <a:endParaRPr lang="zh-CN" altLang="en-US"/>
           </a:p>
@@ -1617,6 +1703,7 @@
               <a:rPr lang="zh-CN" altLang="en-US"/>
               <a:t>单击此处编辑母版标题样式</a:t>
             </a:r>
+            <a:endParaRPr lang="zh-CN" altLang="en-US"/>
           </a:p>
         </p:txBody>
       </p:sp>
@@ -1736,6 +1823,7 @@
               <a:rPr lang="zh-CN" altLang="en-US"/>
               <a:t>编辑母版文本样式</a:t>
             </a:r>
+            <a:endParaRPr lang="zh-CN" altLang="en-US"/>
           </a:p>
         </p:txBody>
       </p:sp>
@@ -1756,7 +1844,6 @@
           <a:p>
             <a:fld id="{A94AD69E-FE2F-4EDF-9961-DCA2A010D4E8}" type="datetimeFigureOut">
               <a:rPr lang="zh-CN" altLang="en-US" smtClean="0"/>
-              <a:t>2024/4/18</a:t>
             </a:fld>
             <a:endParaRPr lang="zh-CN" altLang="en-US"/>
           </a:p>
@@ -1798,7 +1885,6 @@
           <a:p>
             <a:fld id="{D136606D-2876-4B42-B906-0F01D489F363}" type="slidenum">
               <a:rPr lang="zh-CN" altLang="en-US" smtClean="0"/>
-              <a:t>‹#›</a:t>
             </a:fld>
             <a:endParaRPr lang="zh-CN" altLang="en-US"/>
           </a:p>
@@ -1848,6 +1934,7 @@
               <a:rPr lang="zh-CN" altLang="en-US"/>
               <a:t>单击此处编辑母版标题样式</a:t>
             </a:r>
+            <a:endParaRPr lang="zh-CN" altLang="en-US"/>
           </a:p>
         </p:txBody>
       </p:sp>
@@ -1876,6 +1963,7 @@
               <a:rPr lang="zh-CN" altLang="en-US"/>
               <a:t>编辑母版文本样式</a:t>
             </a:r>
+            <a:endParaRPr lang="zh-CN" altLang="en-US"/>
           </a:p>
           <a:p>
             <a:pPr lvl="1"/>
@@ -1883,6 +1971,7 @@
               <a:rPr lang="zh-CN" altLang="en-US"/>
               <a:t>第二级</a:t>
             </a:r>
+            <a:endParaRPr lang="zh-CN" altLang="en-US"/>
           </a:p>
           <a:p>
             <a:pPr lvl="2"/>
@@ -1890,6 +1979,7 @@
               <a:rPr lang="zh-CN" altLang="en-US"/>
               <a:t>第三级</a:t>
             </a:r>
+            <a:endParaRPr lang="zh-CN" altLang="en-US"/>
           </a:p>
           <a:p>
             <a:pPr lvl="3"/>
@@ -1897,6 +1987,7 @@
               <a:rPr lang="zh-CN" altLang="en-US"/>
               <a:t>第四级</a:t>
             </a:r>
+            <a:endParaRPr lang="zh-CN" altLang="en-US"/>
           </a:p>
           <a:p>
             <a:pPr lvl="4"/>
@@ -1904,6 +1995,7 @@
               <a:rPr lang="zh-CN" altLang="en-US"/>
               <a:t>第五级</a:t>
             </a:r>
+            <a:endParaRPr lang="zh-CN" altLang="en-US"/>
           </a:p>
         </p:txBody>
       </p:sp>
@@ -1932,6 +2024,7 @@
               <a:rPr lang="zh-CN" altLang="en-US"/>
               <a:t>编辑母版文本样式</a:t>
             </a:r>
+            <a:endParaRPr lang="zh-CN" altLang="en-US"/>
           </a:p>
           <a:p>
             <a:pPr lvl="1"/>
@@ -1939,6 +2032,7 @@
               <a:rPr lang="zh-CN" altLang="en-US"/>
               <a:t>第二级</a:t>
             </a:r>
+            <a:endParaRPr lang="zh-CN" altLang="en-US"/>
           </a:p>
           <a:p>
             <a:pPr lvl="2"/>
@@ -1946,6 +2040,7 @@
               <a:rPr lang="zh-CN" altLang="en-US"/>
               <a:t>第三级</a:t>
             </a:r>
+            <a:endParaRPr lang="zh-CN" altLang="en-US"/>
           </a:p>
           <a:p>
             <a:pPr lvl="3"/>
@@ -1953,6 +2048,7 @@
               <a:rPr lang="zh-CN" altLang="en-US"/>
               <a:t>第四级</a:t>
             </a:r>
+            <a:endParaRPr lang="zh-CN" altLang="en-US"/>
           </a:p>
           <a:p>
             <a:pPr lvl="4"/>
@@ -1960,6 +2056,7 @@
               <a:rPr lang="zh-CN" altLang="en-US"/>
               <a:t>第五级</a:t>
             </a:r>
+            <a:endParaRPr lang="zh-CN" altLang="en-US"/>
           </a:p>
         </p:txBody>
       </p:sp>
@@ -1980,7 +2077,6 @@
           <a:p>
             <a:fld id="{A94AD69E-FE2F-4EDF-9961-DCA2A010D4E8}" type="datetimeFigureOut">
               <a:rPr lang="zh-CN" altLang="en-US" smtClean="0"/>
-              <a:t>2024/4/18</a:t>
             </a:fld>
             <a:endParaRPr lang="zh-CN" altLang="en-US"/>
           </a:p>
@@ -2022,7 +2118,6 @@
           <a:p>
             <a:fld id="{D136606D-2876-4B42-B906-0F01D489F363}" type="slidenum">
               <a:rPr lang="zh-CN" altLang="en-US" smtClean="0"/>
-              <a:t>‹#›</a:t>
             </a:fld>
             <a:endParaRPr lang="zh-CN" altLang="en-US"/>
           </a:p>
@@ -2077,6 +2172,7 @@
               <a:rPr lang="zh-CN" altLang="en-US"/>
               <a:t>单击此处编辑母版标题样式</a:t>
             </a:r>
+            <a:endParaRPr lang="zh-CN" altLang="en-US"/>
           </a:p>
         </p:txBody>
       </p:sp>
@@ -2142,6 +2238,7 @@
               <a:rPr lang="zh-CN" altLang="en-US"/>
               <a:t>编辑母版文本样式</a:t>
             </a:r>
+            <a:endParaRPr lang="zh-CN" altLang="en-US"/>
           </a:p>
         </p:txBody>
       </p:sp>
@@ -2170,6 +2267,7 @@
               <a:rPr lang="zh-CN" altLang="en-US"/>
               <a:t>编辑母版文本样式</a:t>
             </a:r>
+            <a:endParaRPr lang="zh-CN" altLang="en-US"/>
           </a:p>
           <a:p>
             <a:pPr lvl="1"/>
@@ -2177,6 +2275,7 @@
               <a:rPr lang="zh-CN" altLang="en-US"/>
               <a:t>第二级</a:t>
             </a:r>
+            <a:endParaRPr lang="zh-CN" altLang="en-US"/>
           </a:p>
           <a:p>
             <a:pPr lvl="2"/>
@@ -2184,6 +2283,7 @@
               <a:rPr lang="zh-CN" altLang="en-US"/>
               <a:t>第三级</a:t>
             </a:r>
+            <a:endParaRPr lang="zh-CN" altLang="en-US"/>
           </a:p>
           <a:p>
             <a:pPr lvl="3"/>
@@ -2191,6 +2291,7 @@
               <a:rPr lang="zh-CN" altLang="en-US"/>
               <a:t>第四级</a:t>
             </a:r>
+            <a:endParaRPr lang="zh-CN" altLang="en-US"/>
           </a:p>
           <a:p>
             <a:pPr lvl="4"/>
@@ -2198,6 +2299,7 @@
               <a:rPr lang="zh-CN" altLang="en-US"/>
               <a:t>第五级</a:t>
             </a:r>
+            <a:endParaRPr lang="zh-CN" altLang="en-US"/>
           </a:p>
         </p:txBody>
       </p:sp>
@@ -2263,6 +2365,7 @@
               <a:rPr lang="zh-CN" altLang="en-US"/>
               <a:t>编辑母版文本样式</a:t>
             </a:r>
+            <a:endParaRPr lang="zh-CN" altLang="en-US"/>
           </a:p>
         </p:txBody>
       </p:sp>
@@ -2291,6 +2394,7 @@
               <a:rPr lang="zh-CN" altLang="en-US"/>
               <a:t>编辑母版文本样式</a:t>
             </a:r>
+            <a:endParaRPr lang="zh-CN" altLang="en-US"/>
           </a:p>
           <a:p>
             <a:pPr lvl="1"/>
@@ -2298,6 +2402,7 @@
               <a:rPr lang="zh-CN" altLang="en-US"/>
               <a:t>第二级</a:t>
             </a:r>
+            <a:endParaRPr lang="zh-CN" altLang="en-US"/>
           </a:p>
           <a:p>
             <a:pPr lvl="2"/>
@@ -2305,6 +2410,7 @@
               <a:rPr lang="zh-CN" altLang="en-US"/>
               <a:t>第三级</a:t>
             </a:r>
+            <a:endParaRPr lang="zh-CN" altLang="en-US"/>
           </a:p>
           <a:p>
             <a:pPr lvl="3"/>
@@ -2312,6 +2418,7 @@
               <a:rPr lang="zh-CN" altLang="en-US"/>
               <a:t>第四级</a:t>
             </a:r>
+            <a:endParaRPr lang="zh-CN" altLang="en-US"/>
           </a:p>
           <a:p>
             <a:pPr lvl="4"/>
@@ -2319,6 +2426,7 @@
               <a:rPr lang="zh-CN" altLang="en-US"/>
               <a:t>第五级</a:t>
             </a:r>
+            <a:endParaRPr lang="zh-CN" altLang="en-US"/>
           </a:p>
         </p:txBody>
       </p:sp>
@@ -2339,7 +2447,6 @@
           <a:p>
             <a:fld id="{A94AD69E-FE2F-4EDF-9961-DCA2A010D4E8}" type="datetimeFigureOut">
               <a:rPr lang="zh-CN" altLang="en-US" smtClean="0"/>
-              <a:t>2024/4/18</a:t>
             </a:fld>
             <a:endParaRPr lang="zh-CN" altLang="en-US"/>
           </a:p>
@@ -2381,7 +2488,6 @@
           <a:p>
             <a:fld id="{D136606D-2876-4B42-B906-0F01D489F363}" type="slidenum">
               <a:rPr lang="zh-CN" altLang="en-US" smtClean="0"/>
-              <a:t>‹#›</a:t>
             </a:fld>
             <a:endParaRPr lang="zh-CN" altLang="en-US"/>
           </a:p>
@@ -2431,6 +2537,7 @@
               <a:rPr lang="zh-CN" altLang="en-US"/>
               <a:t>单击此处编辑母版标题样式</a:t>
             </a:r>
+            <a:endParaRPr lang="zh-CN" altLang="en-US"/>
           </a:p>
         </p:txBody>
       </p:sp>
@@ -2451,7 +2558,6 @@
           <a:p>
             <a:fld id="{A94AD69E-FE2F-4EDF-9961-DCA2A010D4E8}" type="datetimeFigureOut">
               <a:rPr lang="zh-CN" altLang="en-US" smtClean="0"/>
-              <a:t>2024/4/18</a:t>
             </a:fld>
             <a:endParaRPr lang="zh-CN" altLang="en-US"/>
           </a:p>
@@ -2493,7 +2599,6 @@
           <a:p>
             <a:fld id="{D136606D-2876-4B42-B906-0F01D489F363}" type="slidenum">
               <a:rPr lang="zh-CN" altLang="en-US" smtClean="0"/>
-              <a:t>‹#›</a:t>
             </a:fld>
             <a:endParaRPr lang="zh-CN" altLang="en-US"/>
           </a:p>
@@ -2541,7 +2646,6 @@
           <a:p>
             <a:fld id="{A94AD69E-FE2F-4EDF-9961-DCA2A010D4E8}" type="datetimeFigureOut">
               <a:rPr lang="zh-CN" altLang="en-US" smtClean="0"/>
-              <a:t>2024/4/18</a:t>
             </a:fld>
             <a:endParaRPr lang="zh-CN" altLang="en-US"/>
           </a:p>
@@ -2583,7 +2687,6 @@
           <a:p>
             <a:fld id="{D136606D-2876-4B42-B906-0F01D489F363}" type="slidenum">
               <a:rPr lang="zh-CN" altLang="en-US" smtClean="0"/>
-              <a:t>‹#›</a:t>
             </a:fld>
             <a:endParaRPr lang="zh-CN" altLang="en-US"/>
           </a:p>
@@ -2642,6 +2745,7 @@
               <a:rPr lang="zh-CN" altLang="en-US"/>
               <a:t>单击此处编辑母版标题样式</a:t>
             </a:r>
+            <a:endParaRPr lang="zh-CN" altLang="en-US"/>
           </a:p>
         </p:txBody>
       </p:sp>
@@ -2698,6 +2802,7 @@
               <a:rPr lang="zh-CN" altLang="en-US"/>
               <a:t>编辑母版文本样式</a:t>
             </a:r>
+            <a:endParaRPr lang="zh-CN" altLang="en-US"/>
           </a:p>
           <a:p>
             <a:pPr lvl="1"/>
@@ -2705,6 +2810,7 @@
               <a:rPr lang="zh-CN" altLang="en-US"/>
               <a:t>第二级</a:t>
             </a:r>
+            <a:endParaRPr lang="zh-CN" altLang="en-US"/>
           </a:p>
           <a:p>
             <a:pPr lvl="2"/>
@@ -2712,6 +2818,7 @@
               <a:rPr lang="zh-CN" altLang="en-US"/>
               <a:t>第三级</a:t>
             </a:r>
+            <a:endParaRPr lang="zh-CN" altLang="en-US"/>
           </a:p>
           <a:p>
             <a:pPr lvl="3"/>
@@ -2719,6 +2826,7 @@
               <a:rPr lang="zh-CN" altLang="en-US"/>
               <a:t>第四级</a:t>
             </a:r>
+            <a:endParaRPr lang="zh-CN" altLang="en-US"/>
           </a:p>
           <a:p>
             <a:pPr lvl="4"/>
@@ -2726,6 +2834,7 @@
               <a:rPr lang="zh-CN" altLang="en-US"/>
               <a:t>第五级</a:t>
             </a:r>
+            <a:endParaRPr lang="zh-CN" altLang="en-US"/>
           </a:p>
         </p:txBody>
       </p:sp>
@@ -2791,6 +2900,7 @@
               <a:rPr lang="zh-CN" altLang="en-US"/>
               <a:t>编辑母版文本样式</a:t>
             </a:r>
+            <a:endParaRPr lang="zh-CN" altLang="en-US"/>
           </a:p>
         </p:txBody>
       </p:sp>
@@ -2811,7 +2921,6 @@
           <a:p>
             <a:fld id="{A94AD69E-FE2F-4EDF-9961-DCA2A010D4E8}" type="datetimeFigureOut">
               <a:rPr lang="zh-CN" altLang="en-US" smtClean="0"/>
-              <a:t>2024/4/18</a:t>
             </a:fld>
             <a:endParaRPr lang="zh-CN" altLang="en-US"/>
           </a:p>
@@ -2853,7 +2962,6 @@
           <a:p>
             <a:fld id="{D136606D-2876-4B42-B906-0F01D489F363}" type="slidenum">
               <a:rPr lang="zh-CN" altLang="en-US" smtClean="0"/>
-              <a:t>‹#›</a:t>
             </a:fld>
             <a:endParaRPr lang="zh-CN" altLang="en-US"/>
           </a:p>
@@ -2903,6 +3011,7 @@
               <a:rPr lang="zh-CN" altLang="en-US"/>
               <a:t>单击此处编辑母版标题样式</a:t>
             </a:r>
+            <a:endParaRPr lang="zh-CN" altLang="en-US"/>
           </a:p>
         </p:txBody>
       </p:sp>
@@ -2926,6 +3035,7 @@
               <a:rPr lang="zh-CN" altLang="en-US"/>
               <a:t>编辑母版文本样式</a:t>
             </a:r>
+            <a:endParaRPr lang="zh-CN" altLang="en-US"/>
           </a:p>
           <a:p>
             <a:pPr lvl="1"/>
@@ -2933,6 +3043,7 @@
               <a:rPr lang="zh-CN" altLang="en-US"/>
               <a:t>第二级</a:t>
             </a:r>
+            <a:endParaRPr lang="zh-CN" altLang="en-US"/>
           </a:p>
           <a:p>
             <a:pPr lvl="2"/>
@@ -2940,6 +3051,7 @@
               <a:rPr lang="zh-CN" altLang="en-US"/>
               <a:t>第三级</a:t>
             </a:r>
+            <a:endParaRPr lang="zh-CN" altLang="en-US"/>
           </a:p>
           <a:p>
             <a:pPr lvl="3"/>
@@ -2947,6 +3059,7 @@
               <a:rPr lang="zh-CN" altLang="en-US"/>
               <a:t>第四级</a:t>
             </a:r>
+            <a:endParaRPr lang="zh-CN" altLang="en-US"/>
           </a:p>
           <a:p>
             <a:pPr lvl="4"/>
@@ -2954,6 +3067,7 @@
               <a:rPr lang="zh-CN" altLang="en-US"/>
               <a:t>第五级</a:t>
             </a:r>
+            <a:endParaRPr lang="zh-CN" altLang="en-US"/>
           </a:p>
         </p:txBody>
       </p:sp>
@@ -2974,7 +3088,6 @@
           <a:p>
             <a:fld id="{A94AD69E-FE2F-4EDF-9961-DCA2A010D4E8}" type="datetimeFigureOut">
               <a:rPr lang="zh-CN" altLang="en-US" smtClean="0"/>
-              <a:t>2024/4/18</a:t>
             </a:fld>
             <a:endParaRPr lang="zh-CN" altLang="en-US"/>
           </a:p>
@@ -3016,7 +3129,6 @@
           <a:p>
             <a:fld id="{D136606D-2876-4B42-B906-0F01D489F363}" type="slidenum">
               <a:rPr lang="zh-CN" altLang="en-US" smtClean="0"/>
-              <a:t>‹#›</a:t>
             </a:fld>
             <a:endParaRPr lang="zh-CN" altLang="en-US"/>
           </a:p>
@@ -3075,6 +3187,7 @@
               <a:rPr lang="zh-CN" altLang="en-US"/>
               <a:t>单击此处编辑母版标题样式</a:t>
             </a:r>
+            <a:endParaRPr lang="zh-CN" altLang="en-US"/>
           </a:p>
         </p:txBody>
       </p:sp>
@@ -3201,6 +3314,7 @@
               <a:rPr lang="zh-CN" altLang="en-US"/>
               <a:t>编辑母版文本样式</a:t>
             </a:r>
+            <a:endParaRPr lang="zh-CN" altLang="en-US"/>
           </a:p>
         </p:txBody>
       </p:sp>
@@ -3221,7 +3335,6 @@
           <a:p>
             <a:fld id="{A94AD69E-FE2F-4EDF-9961-DCA2A010D4E8}" type="datetimeFigureOut">
               <a:rPr lang="zh-CN" altLang="en-US" smtClean="0"/>
-              <a:t>2024/4/18</a:t>
             </a:fld>
             <a:endParaRPr lang="zh-CN" altLang="en-US"/>
           </a:p>
@@ -3263,7 +3376,6 @@
           <a:p>
             <a:fld id="{D136606D-2876-4B42-B906-0F01D489F363}" type="slidenum">
               <a:rPr lang="zh-CN" altLang="en-US" smtClean="0"/>
-              <a:t>‹#›</a:t>
             </a:fld>
             <a:endParaRPr lang="zh-CN" altLang="en-US"/>
           </a:p>
@@ -3313,6 +3425,7 @@
               <a:rPr lang="zh-CN" altLang="en-US"/>
               <a:t>单击此处编辑母版标题样式</a:t>
             </a:r>
+            <a:endParaRPr lang="zh-CN" altLang="en-US"/>
           </a:p>
         </p:txBody>
       </p:sp>
@@ -3336,6 +3449,7 @@
               <a:rPr lang="zh-CN" altLang="en-US"/>
               <a:t>编辑母版文本样式</a:t>
             </a:r>
+            <a:endParaRPr lang="zh-CN" altLang="en-US"/>
           </a:p>
           <a:p>
             <a:pPr lvl="1"/>
@@ -3343,6 +3457,7 @@
               <a:rPr lang="zh-CN" altLang="en-US"/>
               <a:t>第二级</a:t>
             </a:r>
+            <a:endParaRPr lang="zh-CN" altLang="en-US"/>
           </a:p>
           <a:p>
             <a:pPr lvl="2"/>
@@ -3350,6 +3465,7 @@
               <a:rPr lang="zh-CN" altLang="en-US"/>
               <a:t>第三级</a:t>
             </a:r>
+            <a:endParaRPr lang="zh-CN" altLang="en-US"/>
           </a:p>
           <a:p>
             <a:pPr lvl="3"/>
@@ -3357,6 +3473,7 @@
               <a:rPr lang="zh-CN" altLang="en-US"/>
               <a:t>第四级</a:t>
             </a:r>
+            <a:endParaRPr lang="zh-CN" altLang="en-US"/>
           </a:p>
           <a:p>
             <a:pPr lvl="4"/>
@@ -3364,6 +3481,7 @@
               <a:rPr lang="zh-CN" altLang="en-US"/>
               <a:t>第五级</a:t>
             </a:r>
+            <a:endParaRPr lang="zh-CN" altLang="en-US"/>
           </a:p>
         </p:txBody>
       </p:sp>
@@ -3384,7 +3502,6 @@
           <a:p>
             <a:fld id="{A94AD69E-FE2F-4EDF-9961-DCA2A010D4E8}" type="datetimeFigureOut">
               <a:rPr lang="zh-CN" altLang="en-US" smtClean="0"/>
-              <a:t>2024/4/18</a:t>
             </a:fld>
             <a:endParaRPr lang="zh-CN" altLang="en-US"/>
           </a:p>
@@ -3426,7 +3543,6 @@
           <a:p>
             <a:fld id="{D136606D-2876-4B42-B906-0F01D489F363}" type="slidenum">
               <a:rPr lang="zh-CN" altLang="en-US" smtClean="0"/>
-              <a:t>‹#›</a:t>
             </a:fld>
             <a:endParaRPr lang="zh-CN" altLang="en-US"/>
           </a:p>
@@ -3481,6 +3597,7 @@
               <a:rPr lang="zh-CN" altLang="en-US"/>
               <a:t>单击此处编辑母版标题样式</a:t>
             </a:r>
+            <a:endParaRPr lang="zh-CN" altLang="en-US"/>
           </a:p>
         </p:txBody>
       </p:sp>
@@ -3509,6 +3626,7 @@
               <a:rPr lang="zh-CN" altLang="en-US"/>
               <a:t>编辑母版文本样式</a:t>
             </a:r>
+            <a:endParaRPr lang="zh-CN" altLang="en-US"/>
           </a:p>
           <a:p>
             <a:pPr lvl="1"/>
@@ -3516,6 +3634,7 @@
               <a:rPr lang="zh-CN" altLang="en-US"/>
               <a:t>第二级</a:t>
             </a:r>
+            <a:endParaRPr lang="zh-CN" altLang="en-US"/>
           </a:p>
           <a:p>
             <a:pPr lvl="2"/>
@@ -3523,6 +3642,7 @@
               <a:rPr lang="zh-CN" altLang="en-US"/>
               <a:t>第三级</a:t>
             </a:r>
+            <a:endParaRPr lang="zh-CN" altLang="en-US"/>
           </a:p>
           <a:p>
             <a:pPr lvl="3"/>
@@ -3530,6 +3650,7 @@
               <a:rPr lang="zh-CN" altLang="en-US"/>
               <a:t>第四级</a:t>
             </a:r>
+            <a:endParaRPr lang="zh-CN" altLang="en-US"/>
           </a:p>
           <a:p>
             <a:pPr lvl="4"/>
@@ -3537,6 +3658,7 @@
               <a:rPr lang="zh-CN" altLang="en-US"/>
               <a:t>第五级</a:t>
             </a:r>
+            <a:endParaRPr lang="zh-CN" altLang="en-US"/>
           </a:p>
         </p:txBody>
       </p:sp>
@@ -3557,7 +3679,6 @@
           <a:p>
             <a:fld id="{A94AD69E-FE2F-4EDF-9961-DCA2A010D4E8}" type="datetimeFigureOut">
               <a:rPr lang="zh-CN" altLang="en-US" smtClean="0"/>
-              <a:t>2024/4/18</a:t>
             </a:fld>
             <a:endParaRPr lang="zh-CN" altLang="en-US"/>
           </a:p>
@@ -3599,7 +3720,6 @@
           <a:p>
             <a:fld id="{D136606D-2876-4B42-B906-0F01D489F363}" type="slidenum">
               <a:rPr lang="zh-CN" altLang="en-US" smtClean="0"/>
-              <a:t>‹#›</a:t>
             </a:fld>
             <a:endParaRPr lang="zh-CN" altLang="en-US"/>
           </a:p>
@@ -3658,6 +3778,7 @@
               <a:rPr lang="zh-CN" altLang="en-US"/>
               <a:t>单击此处编辑母版标题样式</a:t>
             </a:r>
+            <a:endParaRPr lang="zh-CN" altLang="en-US"/>
           </a:p>
         </p:txBody>
       </p:sp>
@@ -3777,6 +3898,7 @@
               <a:rPr lang="zh-CN" altLang="en-US"/>
               <a:t>编辑母版文本样式</a:t>
             </a:r>
+            <a:endParaRPr lang="zh-CN" altLang="en-US"/>
           </a:p>
         </p:txBody>
       </p:sp>
@@ -3797,7 +3919,6 @@
           <a:p>
             <a:fld id="{A94AD69E-FE2F-4EDF-9961-DCA2A010D4E8}" type="datetimeFigureOut">
               <a:rPr lang="zh-CN" altLang="en-US" smtClean="0"/>
-              <a:t>2024/4/18</a:t>
             </a:fld>
             <a:endParaRPr lang="zh-CN" altLang="en-US"/>
           </a:p>
@@ -3839,7 +3960,6 @@
           <a:p>
             <a:fld id="{D136606D-2876-4B42-B906-0F01D489F363}" type="slidenum">
               <a:rPr lang="zh-CN" altLang="en-US" smtClean="0"/>
-              <a:t>‹#›</a:t>
             </a:fld>
             <a:endParaRPr lang="zh-CN" altLang="en-US"/>
           </a:p>
@@ -3889,6 +4009,7 @@
               <a:rPr lang="zh-CN" altLang="en-US"/>
               <a:t>单击此处编辑母版标题样式</a:t>
             </a:r>
+            <a:endParaRPr lang="zh-CN" altLang="en-US"/>
           </a:p>
         </p:txBody>
       </p:sp>
@@ -3917,6 +4038,7 @@
               <a:rPr lang="zh-CN" altLang="en-US"/>
               <a:t>编辑母版文本样式</a:t>
             </a:r>
+            <a:endParaRPr lang="zh-CN" altLang="en-US"/>
           </a:p>
           <a:p>
             <a:pPr lvl="1"/>
@@ -3924,6 +4046,7 @@
               <a:rPr lang="zh-CN" altLang="en-US"/>
               <a:t>第二级</a:t>
             </a:r>
+            <a:endParaRPr lang="zh-CN" altLang="en-US"/>
           </a:p>
           <a:p>
             <a:pPr lvl="2"/>
@@ -3931,6 +4054,7 @@
               <a:rPr lang="zh-CN" altLang="en-US"/>
               <a:t>第三级</a:t>
             </a:r>
+            <a:endParaRPr lang="zh-CN" altLang="en-US"/>
           </a:p>
           <a:p>
             <a:pPr lvl="3"/>
@@ -3938,6 +4062,7 @@
               <a:rPr lang="zh-CN" altLang="en-US"/>
               <a:t>第四级</a:t>
             </a:r>
+            <a:endParaRPr lang="zh-CN" altLang="en-US"/>
           </a:p>
           <a:p>
             <a:pPr lvl="4"/>
@@ -3945,6 +4070,7 @@
               <a:rPr lang="zh-CN" altLang="en-US"/>
               <a:t>第五级</a:t>
             </a:r>
+            <a:endParaRPr lang="zh-CN" altLang="en-US"/>
           </a:p>
         </p:txBody>
       </p:sp>
@@ -3973,6 +4099,7 @@
               <a:rPr lang="zh-CN" altLang="en-US"/>
               <a:t>编辑母版文本样式</a:t>
             </a:r>
+            <a:endParaRPr lang="zh-CN" altLang="en-US"/>
           </a:p>
           <a:p>
             <a:pPr lvl="1"/>
@@ -3980,6 +4107,7 @@
               <a:rPr lang="zh-CN" altLang="en-US"/>
               <a:t>第二级</a:t>
             </a:r>
+            <a:endParaRPr lang="zh-CN" altLang="en-US"/>
           </a:p>
           <a:p>
             <a:pPr lvl="2"/>
@@ -3987,6 +4115,7 @@
               <a:rPr lang="zh-CN" altLang="en-US"/>
               <a:t>第三级</a:t>
             </a:r>
+            <a:endParaRPr lang="zh-CN" altLang="en-US"/>
           </a:p>
           <a:p>
             <a:pPr lvl="3"/>
@@ -3994,6 +4123,7 @@
               <a:rPr lang="zh-CN" altLang="en-US"/>
               <a:t>第四级</a:t>
             </a:r>
+            <a:endParaRPr lang="zh-CN" altLang="en-US"/>
           </a:p>
           <a:p>
             <a:pPr lvl="4"/>
@@ -4001,6 +4131,7 @@
               <a:rPr lang="zh-CN" altLang="en-US"/>
               <a:t>第五级</a:t>
             </a:r>
+            <a:endParaRPr lang="zh-CN" altLang="en-US"/>
           </a:p>
         </p:txBody>
       </p:sp>
@@ -4021,7 +4152,6 @@
           <a:p>
             <a:fld id="{A94AD69E-FE2F-4EDF-9961-DCA2A010D4E8}" type="datetimeFigureOut">
               <a:rPr lang="zh-CN" altLang="en-US" smtClean="0"/>
-              <a:t>2024/4/18</a:t>
             </a:fld>
             <a:endParaRPr lang="zh-CN" altLang="en-US"/>
           </a:p>
@@ -4063,7 +4193,6 @@
           <a:p>
             <a:fld id="{D136606D-2876-4B42-B906-0F01D489F363}" type="slidenum">
               <a:rPr lang="zh-CN" altLang="en-US" smtClean="0"/>
-              <a:t>‹#›</a:t>
             </a:fld>
             <a:endParaRPr lang="zh-CN" altLang="en-US"/>
           </a:p>
@@ -4118,6 +4247,7 @@
               <a:rPr lang="zh-CN" altLang="en-US"/>
               <a:t>单击此处编辑母版标题样式</a:t>
             </a:r>
+            <a:endParaRPr lang="zh-CN" altLang="en-US"/>
           </a:p>
         </p:txBody>
       </p:sp>
@@ -4183,6 +4313,7 @@
               <a:rPr lang="zh-CN" altLang="en-US"/>
               <a:t>编辑母版文本样式</a:t>
             </a:r>
+            <a:endParaRPr lang="zh-CN" altLang="en-US"/>
           </a:p>
         </p:txBody>
       </p:sp>
@@ -4211,6 +4342,7 @@
               <a:rPr lang="zh-CN" altLang="en-US"/>
               <a:t>编辑母版文本样式</a:t>
             </a:r>
+            <a:endParaRPr lang="zh-CN" altLang="en-US"/>
           </a:p>
           <a:p>
             <a:pPr lvl="1"/>
@@ -4218,6 +4350,7 @@
               <a:rPr lang="zh-CN" altLang="en-US"/>
               <a:t>第二级</a:t>
             </a:r>
+            <a:endParaRPr lang="zh-CN" altLang="en-US"/>
           </a:p>
           <a:p>
             <a:pPr lvl="2"/>
@@ -4225,6 +4358,7 @@
               <a:rPr lang="zh-CN" altLang="en-US"/>
               <a:t>第三级</a:t>
             </a:r>
+            <a:endParaRPr lang="zh-CN" altLang="en-US"/>
           </a:p>
           <a:p>
             <a:pPr lvl="3"/>
@@ -4232,6 +4366,7 @@
               <a:rPr lang="zh-CN" altLang="en-US"/>
               <a:t>第四级</a:t>
             </a:r>
+            <a:endParaRPr lang="zh-CN" altLang="en-US"/>
           </a:p>
           <a:p>
             <a:pPr lvl="4"/>
@@ -4239,6 +4374,7 @@
               <a:rPr lang="zh-CN" altLang="en-US"/>
               <a:t>第五级</a:t>
             </a:r>
+            <a:endParaRPr lang="zh-CN" altLang="en-US"/>
           </a:p>
         </p:txBody>
       </p:sp>
@@ -4304,6 +4440,7 @@
               <a:rPr lang="zh-CN" altLang="en-US"/>
               <a:t>编辑母版文本样式</a:t>
             </a:r>
+            <a:endParaRPr lang="zh-CN" altLang="en-US"/>
           </a:p>
         </p:txBody>
       </p:sp>
@@ -4332,6 +4469,7 @@
               <a:rPr lang="zh-CN" altLang="en-US"/>
               <a:t>编辑母版文本样式</a:t>
             </a:r>
+            <a:endParaRPr lang="zh-CN" altLang="en-US"/>
           </a:p>
           <a:p>
             <a:pPr lvl="1"/>
@@ -4339,6 +4477,7 @@
               <a:rPr lang="zh-CN" altLang="en-US"/>
               <a:t>第二级</a:t>
             </a:r>
+            <a:endParaRPr lang="zh-CN" altLang="en-US"/>
           </a:p>
           <a:p>
             <a:pPr lvl="2"/>
@@ -4346,6 +4485,7 @@
               <a:rPr lang="zh-CN" altLang="en-US"/>
               <a:t>第三级</a:t>
             </a:r>
+            <a:endParaRPr lang="zh-CN" altLang="en-US"/>
           </a:p>
           <a:p>
             <a:pPr lvl="3"/>
@@ -4353,6 +4493,7 @@
               <a:rPr lang="zh-CN" altLang="en-US"/>
               <a:t>第四级</a:t>
             </a:r>
+            <a:endParaRPr lang="zh-CN" altLang="en-US"/>
           </a:p>
           <a:p>
             <a:pPr lvl="4"/>
@@ -4360,6 +4501,7 @@
               <a:rPr lang="zh-CN" altLang="en-US"/>
               <a:t>第五级</a:t>
             </a:r>
+            <a:endParaRPr lang="zh-CN" altLang="en-US"/>
           </a:p>
         </p:txBody>
       </p:sp>
@@ -4380,7 +4522,6 @@
           <a:p>
             <a:fld id="{A94AD69E-FE2F-4EDF-9961-DCA2A010D4E8}" type="datetimeFigureOut">
               <a:rPr lang="zh-CN" altLang="en-US" smtClean="0"/>
-              <a:t>2024/4/18</a:t>
             </a:fld>
             <a:endParaRPr lang="zh-CN" altLang="en-US"/>
           </a:p>
@@ -4422,7 +4563,6 @@
           <a:p>
             <a:fld id="{D136606D-2876-4B42-B906-0F01D489F363}" type="slidenum">
               <a:rPr lang="zh-CN" altLang="en-US" smtClean="0"/>
-              <a:t>‹#›</a:t>
             </a:fld>
             <a:endParaRPr lang="zh-CN" altLang="en-US"/>
           </a:p>
@@ -4472,6 +4612,7 @@
               <a:rPr lang="zh-CN" altLang="en-US"/>
               <a:t>单击此处编辑母版标题样式</a:t>
             </a:r>
+            <a:endParaRPr lang="zh-CN" altLang="en-US"/>
           </a:p>
         </p:txBody>
       </p:sp>
@@ -4492,7 +4633,6 @@
           <a:p>
             <a:fld id="{A94AD69E-FE2F-4EDF-9961-DCA2A010D4E8}" type="datetimeFigureOut">
               <a:rPr lang="zh-CN" altLang="en-US" smtClean="0"/>
-              <a:t>2024/4/18</a:t>
             </a:fld>
             <a:endParaRPr lang="zh-CN" altLang="en-US"/>
           </a:p>
@@ -4534,7 +4674,6 @@
           <a:p>
             <a:fld id="{D136606D-2876-4B42-B906-0F01D489F363}" type="slidenum">
               <a:rPr lang="zh-CN" altLang="en-US" smtClean="0"/>
-              <a:t>‹#›</a:t>
             </a:fld>
             <a:endParaRPr lang="zh-CN" altLang="en-US"/>
           </a:p>
@@ -4582,7 +4721,6 @@
           <a:p>
             <a:fld id="{A94AD69E-FE2F-4EDF-9961-DCA2A010D4E8}" type="datetimeFigureOut">
               <a:rPr lang="zh-CN" altLang="en-US" smtClean="0"/>
-              <a:t>2024/4/18</a:t>
             </a:fld>
             <a:endParaRPr lang="zh-CN" altLang="en-US"/>
           </a:p>
@@ -4624,7 +4762,6 @@
           <a:p>
             <a:fld id="{D136606D-2876-4B42-B906-0F01D489F363}" type="slidenum">
               <a:rPr lang="zh-CN" altLang="en-US" smtClean="0"/>
-              <a:t>‹#›</a:t>
             </a:fld>
             <a:endParaRPr lang="zh-CN" altLang="en-US"/>
           </a:p>
@@ -4683,6 +4820,7 @@
               <a:rPr lang="zh-CN" altLang="en-US"/>
               <a:t>单击此处编辑母版标题样式</a:t>
             </a:r>
+            <a:endParaRPr lang="zh-CN" altLang="en-US"/>
           </a:p>
         </p:txBody>
       </p:sp>
@@ -4739,6 +4877,7 @@
               <a:rPr lang="zh-CN" altLang="en-US"/>
               <a:t>编辑母版文本样式</a:t>
             </a:r>
+            <a:endParaRPr lang="zh-CN" altLang="en-US"/>
           </a:p>
           <a:p>
             <a:pPr lvl="1"/>
@@ -4746,6 +4885,7 @@
               <a:rPr lang="zh-CN" altLang="en-US"/>
               <a:t>第二级</a:t>
             </a:r>
+            <a:endParaRPr lang="zh-CN" altLang="en-US"/>
           </a:p>
           <a:p>
             <a:pPr lvl="2"/>
@@ -4753,6 +4893,7 @@
               <a:rPr lang="zh-CN" altLang="en-US"/>
               <a:t>第三级</a:t>
             </a:r>
+            <a:endParaRPr lang="zh-CN" altLang="en-US"/>
           </a:p>
           <a:p>
             <a:pPr lvl="3"/>
@@ -4760,6 +4901,7 @@
               <a:rPr lang="zh-CN" altLang="en-US"/>
               <a:t>第四级</a:t>
             </a:r>
+            <a:endParaRPr lang="zh-CN" altLang="en-US"/>
           </a:p>
           <a:p>
             <a:pPr lvl="4"/>
@@ -4767,6 +4909,7 @@
               <a:rPr lang="zh-CN" altLang="en-US"/>
               <a:t>第五级</a:t>
             </a:r>
+            <a:endParaRPr lang="zh-CN" altLang="en-US"/>
           </a:p>
         </p:txBody>
       </p:sp>
@@ -4832,6 +4975,7 @@
               <a:rPr lang="zh-CN" altLang="en-US"/>
               <a:t>编辑母版文本样式</a:t>
             </a:r>
+            <a:endParaRPr lang="zh-CN" altLang="en-US"/>
           </a:p>
         </p:txBody>
       </p:sp>
@@ -4852,7 +4996,6 @@
           <a:p>
             <a:fld id="{A94AD69E-FE2F-4EDF-9961-DCA2A010D4E8}" type="datetimeFigureOut">
               <a:rPr lang="zh-CN" altLang="en-US" smtClean="0"/>
-              <a:t>2024/4/18</a:t>
             </a:fld>
             <a:endParaRPr lang="zh-CN" altLang="en-US"/>
           </a:p>
@@ -4894,7 +5037,6 @@
           <a:p>
             <a:fld id="{D136606D-2876-4B42-B906-0F01D489F363}" type="slidenum">
               <a:rPr lang="zh-CN" altLang="en-US" smtClean="0"/>
-              <a:t>‹#›</a:t>
             </a:fld>
             <a:endParaRPr lang="zh-CN" altLang="en-US"/>
           </a:p>
@@ -4953,6 +5095,7 @@
               <a:rPr lang="zh-CN" altLang="en-US"/>
               <a:t>单击此处编辑母版标题样式</a:t>
             </a:r>
+            <a:endParaRPr lang="zh-CN" altLang="en-US"/>
           </a:p>
         </p:txBody>
       </p:sp>
@@ -5079,6 +5222,7 @@
               <a:rPr lang="zh-CN" altLang="en-US"/>
               <a:t>编辑母版文本样式</a:t>
             </a:r>
+            <a:endParaRPr lang="zh-CN" altLang="en-US"/>
           </a:p>
         </p:txBody>
       </p:sp>
@@ -5099,7 +5243,6 @@
           <a:p>
             <a:fld id="{A94AD69E-FE2F-4EDF-9961-DCA2A010D4E8}" type="datetimeFigureOut">
               <a:rPr lang="zh-CN" altLang="en-US" smtClean="0"/>
-              <a:t>2024/4/18</a:t>
             </a:fld>
             <a:endParaRPr lang="zh-CN" altLang="en-US"/>
           </a:p>
@@ -5141,7 +5284,6 @@
           <a:p>
             <a:fld id="{D136606D-2876-4B42-B906-0F01D489F363}" type="slidenum">
               <a:rPr lang="zh-CN" altLang="en-US" smtClean="0"/>
-              <a:t>‹#›</a:t>
             </a:fld>
             <a:endParaRPr lang="zh-CN" altLang="en-US"/>
           </a:p>
@@ -5206,6 +5348,7 @@
               <a:rPr lang="zh-CN" altLang="en-US"/>
               <a:t>单击此处编辑母版标题样式</a:t>
             </a:r>
+            <a:endParaRPr lang="zh-CN" altLang="en-US"/>
           </a:p>
         </p:txBody>
       </p:sp>
@@ -5239,6 +5382,7 @@
               <a:rPr lang="zh-CN" altLang="en-US"/>
               <a:t>编辑母版文本样式</a:t>
             </a:r>
+            <a:endParaRPr lang="zh-CN" altLang="en-US"/>
           </a:p>
           <a:p>
             <a:pPr lvl="1"/>
@@ -5246,6 +5390,7 @@
               <a:rPr lang="zh-CN" altLang="en-US"/>
               <a:t>第二级</a:t>
             </a:r>
+            <a:endParaRPr lang="zh-CN" altLang="en-US"/>
           </a:p>
           <a:p>
             <a:pPr lvl="2"/>
@@ -5253,6 +5398,7 @@
               <a:rPr lang="zh-CN" altLang="en-US"/>
               <a:t>第三级</a:t>
             </a:r>
+            <a:endParaRPr lang="zh-CN" altLang="en-US"/>
           </a:p>
           <a:p>
             <a:pPr lvl="3"/>
@@ -5260,6 +5406,7 @@
               <a:rPr lang="zh-CN" altLang="en-US"/>
               <a:t>第四级</a:t>
             </a:r>
+            <a:endParaRPr lang="zh-CN" altLang="en-US"/>
           </a:p>
           <a:p>
             <a:pPr lvl="4"/>
@@ -5267,6 +5414,7 @@
               <a:rPr lang="zh-CN" altLang="en-US"/>
               <a:t>第五级</a:t>
             </a:r>
+            <a:endParaRPr lang="zh-CN" altLang="en-US"/>
           </a:p>
         </p:txBody>
       </p:sp>
@@ -5305,7 +5453,6 @@
           <a:p>
             <a:fld id="{A94AD69E-FE2F-4EDF-9961-DCA2A010D4E8}" type="datetimeFigureOut">
               <a:rPr lang="zh-CN" altLang="en-US" smtClean="0"/>
-              <a:t>2024/4/18</a:t>
             </a:fld>
             <a:endParaRPr lang="zh-CN" altLang="en-US"/>
           </a:p>
@@ -5383,7 +5530,6 @@
           <a:p>
             <a:fld id="{D136606D-2876-4B42-B906-0F01D489F363}" type="slidenum">
               <a:rPr lang="zh-CN" altLang="en-US" smtClean="0"/>
-              <a:t>‹#›</a:t>
             </a:fld>
             <a:endParaRPr lang="zh-CN" altLang="en-US"/>
           </a:p>
@@ -5739,6 +5885,7 @@
               <a:rPr lang="zh-CN" altLang="en-US"/>
               <a:t>单击此处编辑母版标题样式</a:t>
             </a:r>
+            <a:endParaRPr lang="zh-CN" altLang="en-US"/>
           </a:p>
         </p:txBody>
       </p:sp>
@@ -5772,6 +5919,7 @@
               <a:rPr lang="zh-CN" altLang="en-US"/>
               <a:t>编辑母版文本样式</a:t>
             </a:r>
+            <a:endParaRPr lang="zh-CN" altLang="en-US"/>
           </a:p>
           <a:p>
             <a:pPr lvl="1"/>
@@ -5779,6 +5927,7 @@
               <a:rPr lang="zh-CN" altLang="en-US"/>
               <a:t>第二级</a:t>
             </a:r>
+            <a:endParaRPr lang="zh-CN" altLang="en-US"/>
           </a:p>
           <a:p>
             <a:pPr lvl="2"/>
@@ -5786,6 +5935,7 @@
               <a:rPr lang="zh-CN" altLang="en-US"/>
               <a:t>第三级</a:t>
             </a:r>
+            <a:endParaRPr lang="zh-CN" altLang="en-US"/>
           </a:p>
           <a:p>
             <a:pPr lvl="3"/>
@@ -5793,6 +5943,7 @@
               <a:rPr lang="zh-CN" altLang="en-US"/>
               <a:t>第四级</a:t>
             </a:r>
+            <a:endParaRPr lang="zh-CN" altLang="en-US"/>
           </a:p>
           <a:p>
             <a:pPr lvl="4"/>
@@ -5800,6 +5951,7 @@
               <a:rPr lang="zh-CN" altLang="en-US"/>
               <a:t>第五级</a:t>
             </a:r>
+            <a:endParaRPr lang="zh-CN" altLang="en-US"/>
           </a:p>
         </p:txBody>
       </p:sp>
@@ -5838,7 +5990,6 @@
           <a:p>
             <a:fld id="{A94AD69E-FE2F-4EDF-9961-DCA2A010D4E8}" type="datetimeFigureOut">
               <a:rPr lang="zh-CN" altLang="en-US" smtClean="0"/>
-              <a:t>2024/4/18</a:t>
             </a:fld>
             <a:endParaRPr lang="zh-CN" altLang="en-US"/>
           </a:p>
@@ -5916,7 +6067,6 @@
           <a:p>
             <a:fld id="{D136606D-2876-4B42-B906-0F01D489F363}" type="slidenum">
               <a:rPr lang="zh-CN" altLang="en-US" smtClean="0"/>
-              <a:t>‹#›</a:t>
             </a:fld>
             <a:endParaRPr lang="zh-CN" altLang="en-US"/>
           </a:p>
@@ -6287,47 +6437,261 @@
               </a:rPr>
               <a:t>4.19</a:t>
             </a:r>
+            <a:endParaRPr lang="en-US" altLang="zh-CN" sz="4265" b="1" dirty="0">
+              <a:solidFill>
+                <a:srgbClr val="002060"/>
+              </a:solidFill>
+              <a:latin typeface="微软雅黑" panose="020B0503020204020204" pitchFamily="34" charset="-122"/>
+              <a:ea typeface="微软雅黑" panose="020B0503020204020204" pitchFamily="34" charset="-122"/>
+            </a:endParaRPr>
           </a:p>
         </p:txBody>
       </p:sp>
       <p:grpSp>
         <p:nvGrpSpPr>
-          <p:cNvPr id="6" name="组合 5"/>
+          <p:cNvPr id="7" name="组合 6"/>
           <p:cNvGrpSpPr/>
           <p:nvPr/>
         </p:nvGrpSpPr>
         <p:grpSpPr>
           <a:xfrm>
-            <a:off x="4966890" y="4125282"/>
-            <a:ext cx="11740357" cy="3941435"/>
-            <a:chOff x="4903310" y="4125279"/>
-            <a:chExt cx="12042498" cy="3941435"/>
+            <a:off x="5147230" y="3304862"/>
+            <a:ext cx="11740357" cy="5581963"/>
+            <a:chOff x="7822" y="6497"/>
+            <a:chExt cx="18489" cy="8790"/>
           </a:xfrm>
         </p:grpSpPr>
         <p:grpSp>
           <p:nvGrpSpPr>
-            <p:cNvPr id="3" name="组合 2"/>
+            <p:cNvPr id="6" name="组合 5"/>
             <p:cNvGrpSpPr/>
             <p:nvPr/>
           </p:nvGrpSpPr>
           <p:grpSpPr>
             <a:xfrm>
-              <a:off x="4903310" y="4125279"/>
-              <a:ext cx="12042498" cy="2378008"/>
-              <a:chOff x="3472415" y="4258281"/>
-              <a:chExt cx="16356291" cy="1804673"/>
+              <a:off x="7822" y="6497"/>
+              <a:ext cx="18489" cy="7803"/>
+              <a:chOff x="4903310" y="4125279"/>
+              <a:chExt cx="12042498" cy="4955018"/>
             </a:xfrm>
           </p:grpSpPr>
+          <p:grpSp>
+            <p:nvGrpSpPr>
+              <p:cNvPr id="3" name="组合 2"/>
+              <p:cNvGrpSpPr/>
+              <p:nvPr/>
+            </p:nvGrpSpPr>
+            <p:grpSpPr>
+              <a:xfrm>
+                <a:off x="4903310" y="4125279"/>
+                <a:ext cx="12042498" cy="2378008"/>
+                <a:chOff x="3472415" y="4258281"/>
+                <a:chExt cx="16356291" cy="1804673"/>
+              </a:xfrm>
+            </p:grpSpPr>
+            <p:sp>
+              <p:nvSpPr>
+                <p:cNvPr id="9" name="矩形 8"/>
+                <p:cNvSpPr/>
+                <p:nvPr/>
+              </p:nvSpPr>
+              <p:spPr>
+                <a:xfrm>
+                  <a:off x="3484008" y="4258281"/>
+                  <a:ext cx="16118626" cy="618187"/>
+                </a:xfrm>
+                <a:prstGeom prst="rect">
+                  <a:avLst/>
+                </a:prstGeom>
+              </p:spPr>
+              <p:txBody>
+                <a:bodyPr wrap="square">
+                  <a:spAutoFit/>
+                </a:bodyPr>
+                <a:lstStyle/>
+                <a:p>
+                  <a:pPr marL="508000" indent="-508000" defTabSz="1625600">
+                    <a:lnSpc>
+                      <a:spcPct val="130000"/>
+                    </a:lnSpc>
+                    <a:spcAft>
+                      <a:spcPts val="1065"/>
+                    </a:spcAft>
+                    <a:buFont typeface="Wingdings" panose="05000000000000000000" pitchFamily="2" charset="2"/>
+                    <a:buChar char="Ø"/>
+                  </a:pPr>
+                  <a:r>
+                    <a:rPr lang="en-US" altLang="zh-CN" sz="4000" b="1" dirty="0">
+                      <a:solidFill>
+                        <a:srgbClr val="002060"/>
+                      </a:solidFill>
+                      <a:latin typeface="微软雅黑" panose="020B0503020204020204" pitchFamily="34" charset="-122"/>
+                      <a:ea typeface="微软雅黑" panose="020B0503020204020204" pitchFamily="34" charset="-122"/>
+                      <a:sym typeface="+mn-ea"/>
+                    </a:rPr>
+                    <a:t>1.</a:t>
+                  </a:r>
+                  <a:r>
+                    <a:rPr lang="zh-CN" altLang="en-US" sz="4000" b="1" dirty="0">
+                      <a:solidFill>
+                        <a:srgbClr val="002060"/>
+                      </a:solidFill>
+                      <a:latin typeface="微软雅黑" panose="020B0503020204020204" pitchFamily="34" charset="-122"/>
+                      <a:ea typeface="微软雅黑" panose="020B0503020204020204" pitchFamily="34" charset="-122"/>
+                      <a:sym typeface="+mn-ea"/>
+                    </a:rPr>
+                    <a:t>项目进展</a:t>
+                  </a:r>
+                  <a:r>
+                    <a:rPr lang="en-US" altLang="zh-CN" sz="4000" b="1" dirty="0">
+                      <a:solidFill>
+                        <a:srgbClr val="002060"/>
+                      </a:solidFill>
+                      <a:latin typeface="微软雅黑" panose="020B0503020204020204" pitchFamily="34" charset="-122"/>
+                      <a:ea typeface="微软雅黑" panose="020B0503020204020204" pitchFamily="34" charset="-122"/>
+                      <a:sym typeface="+mn-ea"/>
+                    </a:rPr>
+                    <a:t>——</a:t>
+                  </a:r>
+                  <a:r>
+                    <a:rPr lang="zh-CN" altLang="en-US" sz="4000" b="1" dirty="0">
+                      <a:solidFill>
+                        <a:srgbClr val="002060"/>
+                      </a:solidFill>
+                      <a:latin typeface="微软雅黑" panose="020B0503020204020204" pitchFamily="34" charset="-122"/>
+                      <a:ea typeface="微软雅黑" panose="020B0503020204020204" pitchFamily="34" charset="-122"/>
+                      <a:sym typeface="+mn-ea"/>
+                    </a:rPr>
+                    <a:t>锂电池充放电路</a:t>
+                  </a:r>
+                  <a:r>
+                    <a:rPr lang="en-US" altLang="zh-CN" sz="4000" b="1" dirty="0">
+                      <a:solidFill>
+                        <a:srgbClr val="002060"/>
+                      </a:solidFill>
+                      <a:latin typeface="微软雅黑" panose="020B0503020204020204" pitchFamily="34" charset="-122"/>
+                      <a:ea typeface="微软雅黑" panose="020B0503020204020204" pitchFamily="34" charset="-122"/>
+                      <a:sym typeface="+mn-ea"/>
+                    </a:rPr>
+                    <a:t>PCB</a:t>
+                  </a:r>
+                  <a:r>
+                    <a:rPr lang="zh-CN" altLang="en-US" sz="4000" b="1" dirty="0">
+                      <a:solidFill>
+                        <a:srgbClr val="002060"/>
+                      </a:solidFill>
+                      <a:latin typeface="微软雅黑" panose="020B0503020204020204" pitchFamily="34" charset="-122"/>
+                      <a:ea typeface="微软雅黑" panose="020B0503020204020204" pitchFamily="34" charset="-122"/>
+                      <a:sym typeface="+mn-ea"/>
+                    </a:rPr>
+                    <a:t>绘制</a:t>
+                  </a:r>
+                  <a:endParaRPr lang="zh-CN" altLang="en-US" sz="4000" b="1" dirty="0">
+                    <a:solidFill>
+                      <a:srgbClr val="002060"/>
+                    </a:solidFill>
+                    <a:latin typeface="微软雅黑" panose="020B0503020204020204" pitchFamily="34" charset="-122"/>
+                    <a:ea typeface="微软雅黑" panose="020B0503020204020204" pitchFamily="34" charset="-122"/>
+                  </a:endParaRPr>
+                </a:p>
+              </p:txBody>
+            </p:sp>
+            <p:sp>
+              <p:nvSpPr>
+                <p:cNvPr id="2" name="矩形 1"/>
+                <p:cNvSpPr/>
+                <p:nvPr/>
+              </p:nvSpPr>
+              <p:spPr>
+                <a:xfrm>
+                  <a:off x="3472415" y="5444767"/>
+                  <a:ext cx="16356291" cy="618187"/>
+                </a:xfrm>
+                <a:prstGeom prst="rect">
+                  <a:avLst/>
+                </a:prstGeom>
+              </p:spPr>
+              <p:txBody>
+                <a:bodyPr wrap="square">
+                  <a:spAutoFit/>
+                </a:bodyPr>
+                <a:lstStyle/>
+                <a:p>
+                  <a:pPr marL="508000" indent="-508000" defTabSz="1625600">
+                    <a:lnSpc>
+                      <a:spcPct val="130000"/>
+                    </a:lnSpc>
+                    <a:spcAft>
+                      <a:spcPts val="1065"/>
+                    </a:spcAft>
+                    <a:buFont typeface="Wingdings" panose="05000000000000000000" pitchFamily="2" charset="2"/>
+                    <a:buChar char="Ø"/>
+                  </a:pPr>
+                  <a:r>
+                    <a:rPr lang="en-US" altLang="zh-CN" sz="4000" b="1" dirty="0">
+                      <a:solidFill>
+                        <a:srgbClr val="002060"/>
+                      </a:solidFill>
+                      <a:latin typeface="微软雅黑" panose="020B0503020204020204" pitchFamily="34" charset="-122"/>
+                      <a:ea typeface="微软雅黑" panose="020B0503020204020204" pitchFamily="34" charset="-122"/>
+                      <a:sym typeface="+mn-ea"/>
+                    </a:rPr>
+                    <a:t>2.</a:t>
+                  </a:r>
+                  <a:r>
+                    <a:rPr lang="zh-CN" altLang="en-US" sz="4000" b="1" dirty="0">
+                      <a:solidFill>
+                        <a:srgbClr val="002060"/>
+                      </a:solidFill>
+                      <a:latin typeface="微软雅黑" panose="020B0503020204020204" pitchFamily="34" charset="-122"/>
+                      <a:ea typeface="微软雅黑" panose="020B0503020204020204" pitchFamily="34" charset="-122"/>
+                      <a:sym typeface="+mn-ea"/>
+                    </a:rPr>
+                    <a:t>视觉算法</a:t>
+                  </a:r>
+                  <a:r>
+                    <a:rPr lang="en-US" altLang="zh-CN" sz="4000" b="1" dirty="0">
+                      <a:solidFill>
+                        <a:srgbClr val="002060"/>
+                      </a:solidFill>
+                      <a:latin typeface="微软雅黑" panose="020B0503020204020204" pitchFamily="34" charset="-122"/>
+                      <a:ea typeface="微软雅黑" panose="020B0503020204020204" pitchFamily="34" charset="-122"/>
+                      <a:sym typeface="+mn-ea"/>
+                    </a:rPr>
+                    <a:t>——</a:t>
+                  </a:r>
+                  <a:r>
+                    <a:rPr lang="zh-CN" altLang="en-US" sz="4000" b="1" dirty="0">
+                      <a:solidFill>
+                        <a:srgbClr val="002060"/>
+                      </a:solidFill>
+                      <a:latin typeface="微软雅黑" panose="020B0503020204020204" pitchFamily="34" charset="-122"/>
+                      <a:ea typeface="微软雅黑" panose="020B0503020204020204" pitchFamily="34" charset="-122"/>
+                      <a:sym typeface="+mn-ea"/>
+                    </a:rPr>
+                    <a:t>细胞检测算法素材采集</a:t>
+                  </a:r>
+                  <a:endParaRPr lang="zh-CN" altLang="en-US" sz="4000" b="1" dirty="0">
+                    <a:solidFill>
+                      <a:srgbClr val="002060"/>
+                    </a:solidFill>
+                    <a:latin typeface="微软雅黑" panose="020B0503020204020204" pitchFamily="34" charset="-122"/>
+                    <a:ea typeface="微软雅黑" panose="020B0503020204020204" pitchFamily="34" charset="-122"/>
+                  </a:endParaRPr>
+                </a:p>
+              </p:txBody>
+            </p:sp>
+          </p:grpSp>
           <p:sp>
             <p:nvSpPr>
-              <p:cNvPr id="9" name="矩形 8"/>
+              <p:cNvPr id="4" name="矩形 3"/>
               <p:cNvSpPr/>
               <p:nvPr/>
             </p:nvSpPr>
             <p:spPr>
               <a:xfrm>
-                <a:off x="3484008" y="4258281"/>
-                <a:ext cx="16118626" cy="618187"/>
+                <a:off x="4903310" y="7252132"/>
+                <a:ext cx="11780365" cy="1828165"/>
               </a:xfrm>
               <a:prstGeom prst="rect">
                 <a:avLst/>
@@ -6358,7 +6722,7 @@
                     <a:ea typeface="微软雅黑" panose="020B0503020204020204" pitchFamily="34" charset="-122"/>
                     <a:sym typeface="+mn-ea"/>
                   </a:rPr>
-                  <a:t>1.</a:t>
+                  <a:t>3.</a:t>
                 </a:r>
                 <a:r>
                   <a:rPr lang="zh-CN" altLang="en-US" sz="4000" b="1" dirty="0">
@@ -6369,7 +6733,7 @@
                     <a:ea typeface="微软雅黑" panose="020B0503020204020204" pitchFamily="34" charset="-122"/>
                     <a:sym typeface="+mn-ea"/>
                   </a:rPr>
-                  <a:t>项目进展</a:t>
+                  <a:t>软著修改</a:t>
                 </a:r>
                 <a:r>
                   <a:rPr lang="en-US" altLang="zh-CN" sz="4000" b="1" dirty="0">
@@ -6391,29 +6755,7 @@
                     <a:ea typeface="微软雅黑" panose="020B0503020204020204" pitchFamily="34" charset="-122"/>
                     <a:sym typeface="+mn-ea"/>
                   </a:rPr>
-                  <a:t>锂电池充放电路</a:t>
-                </a:r>
-                <a:r>
-                  <a:rPr lang="en-US" altLang="zh-CN" sz="4000" b="1" dirty="0">
-                    <a:solidFill>
-                      <a:srgbClr val="002060"/>
-                    </a:solidFill>
-                    <a:latin typeface="微软雅黑" panose="020B0503020204020204" pitchFamily="34" charset="-122"/>
-                    <a:ea typeface="微软雅黑" panose="020B0503020204020204" pitchFamily="34" charset="-122"/>
-                    <a:sym typeface="+mn-ea"/>
-                  </a:rPr>
-                  <a:t>PCB</a:t>
-                </a:r>
-                <a:r>
-                  <a:rPr lang="zh-CN" altLang="en-US" sz="4000" b="1" dirty="0">
-                    <a:solidFill>
-                      <a:srgbClr val="002060"/>
-                    </a:solidFill>
-                    <a:latin typeface="微软雅黑" panose="020B0503020204020204" pitchFamily="34" charset="-122"/>
-                    <a:ea typeface="微软雅黑" panose="020B0503020204020204" pitchFamily="34" charset="-122"/>
-                    <a:sym typeface="+mn-ea"/>
-                  </a:rPr>
-                  <a:t>绘制</a:t>
+                  <a:t>修改完善软著提交材料</a:t>
                 </a:r>
                 <a:endParaRPr lang="zh-CN" altLang="en-US" sz="4000" b="1" dirty="0">
                   <a:solidFill>
@@ -6421,30 +6763,9 @@
                   </a:solidFill>
                   <a:latin typeface="微软雅黑" panose="020B0503020204020204" pitchFamily="34" charset="-122"/>
                   <a:ea typeface="微软雅黑" panose="020B0503020204020204" pitchFamily="34" charset="-122"/>
+                  <a:sym typeface="+mn-ea"/>
                 </a:endParaRPr>
               </a:p>
-            </p:txBody>
-          </p:sp>
-          <p:sp>
-            <p:nvSpPr>
-              <p:cNvPr id="2" name="矩形 1"/>
-              <p:cNvSpPr/>
-              <p:nvPr/>
-            </p:nvSpPr>
-            <p:spPr>
-              <a:xfrm>
-                <a:off x="3472415" y="5444767"/>
-                <a:ext cx="16356291" cy="618187"/>
-              </a:xfrm>
-              <a:prstGeom prst="rect">
-                <a:avLst/>
-              </a:prstGeom>
-            </p:spPr>
-            <p:txBody>
-              <a:bodyPr wrap="square">
-                <a:spAutoFit/>
-              </a:bodyPr>
-              <a:lstStyle/>
               <a:p>
                 <a:pPr marL="508000" indent="-508000" defTabSz="1625600">
                   <a:lnSpc>
@@ -6456,56 +6777,13 @@
                   <a:buFont typeface="Wingdings" panose="05000000000000000000" pitchFamily="2" charset="2"/>
                   <a:buChar char="Ø"/>
                 </a:pPr>
-                <a:r>
-                  <a:rPr lang="en-US" altLang="zh-CN" sz="4000" b="1" dirty="0">
-                    <a:solidFill>
-                      <a:srgbClr val="002060"/>
-                    </a:solidFill>
-                    <a:latin typeface="微软雅黑" panose="020B0503020204020204" pitchFamily="34" charset="-122"/>
-                    <a:ea typeface="微软雅黑" panose="020B0503020204020204" pitchFamily="34" charset="-122"/>
-                    <a:sym typeface="+mn-ea"/>
-                  </a:rPr>
-                  <a:t>2.</a:t>
-                </a:r>
-                <a:r>
-                  <a:rPr lang="zh-CN" altLang="en-US" sz="4000" b="1" dirty="0">
-                    <a:solidFill>
-                      <a:srgbClr val="002060"/>
-                    </a:solidFill>
-                    <a:latin typeface="微软雅黑" panose="020B0503020204020204" pitchFamily="34" charset="-122"/>
-                    <a:ea typeface="微软雅黑" panose="020B0503020204020204" pitchFamily="34" charset="-122"/>
-                    <a:sym typeface="+mn-ea"/>
-                  </a:rPr>
-                  <a:t>视觉算法</a:t>
-                </a:r>
-                <a:r>
-                  <a:rPr lang="en-US" altLang="zh-CN" sz="4000" b="1" dirty="0">
-                    <a:solidFill>
-                      <a:srgbClr val="002060"/>
-                    </a:solidFill>
-                    <a:latin typeface="微软雅黑" panose="020B0503020204020204" pitchFamily="34" charset="-122"/>
-                    <a:ea typeface="微软雅黑" panose="020B0503020204020204" pitchFamily="34" charset="-122"/>
-                    <a:sym typeface="+mn-ea"/>
-                  </a:rPr>
-                  <a:t>——</a:t>
-                </a:r>
-                <a:r>
-                  <a:rPr lang="zh-CN" altLang="en-US" sz="4000" b="1" dirty="0">
-                    <a:solidFill>
-                      <a:srgbClr val="002060"/>
-                    </a:solidFill>
-                    <a:latin typeface="微软雅黑" panose="020B0503020204020204" pitchFamily="34" charset="-122"/>
-                    <a:ea typeface="微软雅黑" panose="020B0503020204020204" pitchFamily="34" charset="-122"/>
-                    <a:sym typeface="+mn-ea"/>
-                  </a:rPr>
-                  <a:t>细胞检测算法素材采集</a:t>
-                </a:r>
                 <a:endParaRPr lang="zh-CN" altLang="en-US" sz="4000" b="1" dirty="0">
                   <a:solidFill>
                     <a:srgbClr val="002060"/>
                   </a:solidFill>
                   <a:latin typeface="微软雅黑" panose="020B0503020204020204" pitchFamily="34" charset="-122"/>
                   <a:ea typeface="微软雅黑" panose="020B0503020204020204" pitchFamily="34" charset="-122"/>
+                  <a:sym typeface="+mn-ea"/>
                 </a:endParaRPr>
               </a:p>
             </p:txBody>
@@ -6513,14 +6791,14 @@
         </p:grpSp>
         <p:sp>
           <p:nvSpPr>
-            <p:cNvPr id="4" name="矩形 3"/>
+            <p:cNvPr id="5" name="矩形 4"/>
             <p:cNvSpPr/>
             <p:nvPr/>
           </p:nvSpPr>
           <p:spPr>
             <a:xfrm>
-              <a:off x="4903310" y="7252132"/>
-              <a:ext cx="11780365" cy="814582"/>
+              <a:off x="7822" y="13883"/>
+              <a:ext cx="18086" cy="1404"/>
             </a:xfrm>
             <a:prstGeom prst="rect">
               <a:avLst/>
@@ -6530,7 +6808,6 @@
             <a:bodyPr wrap="square">
               <a:spAutoFit/>
             </a:bodyPr>
-            <a:lstStyle/>
             <a:p>
               <a:pPr marL="508000" indent="-508000" defTabSz="1625600">
                 <a:lnSpc>
@@ -6549,8 +6826,9 @@
                   </a:solidFill>
                   <a:latin typeface="微软雅黑" panose="020B0503020204020204" pitchFamily="34" charset="-122"/>
                   <a:ea typeface="微软雅黑" panose="020B0503020204020204" pitchFamily="34" charset="-122"/>
+                  <a:sym typeface="+mn-ea"/>
                 </a:rPr>
-                <a:t>3.</a:t>
+                <a:t>4.</a:t>
               </a:r>
               <a:r>
                 <a:rPr lang="zh-CN" altLang="en-US" sz="4000" b="1" dirty="0">
@@ -6585,6 +6863,14 @@
                 </a:rPr>
                 <a:t>参加学术会议，学习前沿文献</a:t>
               </a:r>
+              <a:endParaRPr lang="zh-CN" altLang="en-US" sz="4000" b="1" dirty="0">
+                <a:solidFill>
+                  <a:srgbClr val="002060"/>
+                </a:solidFill>
+                <a:latin typeface="微软雅黑" panose="020B0503020204020204" pitchFamily="34" charset="-122"/>
+                <a:ea typeface="微软雅黑" panose="020B0503020204020204" pitchFamily="34" charset="-122"/>
+                <a:sym typeface="+mn-ea"/>
+              </a:endParaRPr>
             </a:p>
           </p:txBody>
         </p:sp>
@@ -6802,13 +7088,7 @@
       </p:sp>
       <p:grpSp>
         <p:nvGrpSpPr>
-          <p:cNvPr id="38" name="组合 37">
-            <a:extLst>
-              <a:ext uri="{FF2B5EF4-FFF2-40B4-BE49-F238E27FC236}">
-                <a16:creationId xmlns:a16="http://schemas.microsoft.com/office/drawing/2014/main" id="{2090B613-C49D-8FA3-9D0B-B7CFE391BE0E}"/>
-              </a:ext>
-            </a:extLst>
-          </p:cNvPr>
+          <p:cNvPr id="38" name="组合 37"/>
           <p:cNvGrpSpPr/>
           <p:nvPr/>
         </p:nvGrpSpPr>
@@ -6822,13 +7102,7 @@
         </p:grpSpPr>
         <p:grpSp>
           <p:nvGrpSpPr>
-            <p:cNvPr id="35" name="组合 34">
-              <a:extLst>
-                <a:ext uri="{FF2B5EF4-FFF2-40B4-BE49-F238E27FC236}">
-                  <a16:creationId xmlns:a16="http://schemas.microsoft.com/office/drawing/2014/main" id="{2E0B0030-AC99-8726-2C82-C43EBACA3DCB}"/>
-                </a:ext>
-              </a:extLst>
-            </p:cNvPr>
+            <p:cNvPr id="35" name="组合 34"/>
             <p:cNvGrpSpPr/>
             <p:nvPr/>
           </p:nvGrpSpPr>
@@ -6860,7 +7134,7 @@
                 <a:spAutoFit/>
                 <a:extLst>
                   <a:ext uri="{4A0BC546-FE56-4ADE-93B0-CB8AF2F6F144}">
-                    <wpsdc:textFrameExt xmlns="" xmlns:wpsdc="http://www.wps.cn/officeDocument/2022/drawingmlCustomData" type="text"/>
+                    <wpsdc:textFrameExt xmlns:wpsdc="http://www.wps.cn/officeDocument/2022/drawingmlCustomData" type="text"/>
                   </a:ext>
                 </a:extLst>
               </a:bodyPr>
@@ -6888,25 +7162,23 @@
                   </a:rPr>
                   <a:t>顶层布局图</a:t>
                 </a:r>
+                <a:endParaRPr lang="zh-CN" altLang="en-US" sz="2400" b="1" dirty="0">
+                  <a:latin typeface="楷体" panose="02010609060101010101" charset="-122"/>
+                  <a:ea typeface="楷体" panose="02010609060101010101" charset="-122"/>
+                </a:endParaRPr>
               </a:p>
             </p:txBody>
           </p:sp>
           <p:pic>
             <p:nvPicPr>
-              <p:cNvPr id="4" name="图片 3">
-                <a:extLst>
-                  <a:ext uri="{FF2B5EF4-FFF2-40B4-BE49-F238E27FC236}">
-                    <a16:creationId xmlns:a16="http://schemas.microsoft.com/office/drawing/2014/main" id="{2AF07BBE-6CB3-7267-63BF-C7B5A0E7B4A1}"/>
-                  </a:ext>
-                </a:extLst>
-              </p:cNvPr>
+              <p:cNvPr id="4" name="图片 3"/>
               <p:cNvPicPr>
                 <a:picLocks noChangeAspect="1"/>
               </p:cNvPicPr>
               <p:nvPr/>
             </p:nvPicPr>
             <p:blipFill>
-              <a:blip r:embed="rId4"/>
+              <a:blip r:embed="rId1"/>
               <a:stretch>
                 <a:fillRect/>
               </a:stretch>
@@ -6923,20 +7195,14 @@
           </p:pic>
           <p:pic>
             <p:nvPicPr>
-              <p:cNvPr id="7" name="图片 6">
-                <a:extLst>
-                  <a:ext uri="{FF2B5EF4-FFF2-40B4-BE49-F238E27FC236}">
-                    <a16:creationId xmlns:a16="http://schemas.microsoft.com/office/drawing/2014/main" id="{8506A884-9B95-2058-9BF2-0A4C31934BB8}"/>
-                  </a:ext>
-                </a:extLst>
-              </p:cNvPr>
+              <p:cNvPr id="7" name="图片 6"/>
               <p:cNvPicPr>
                 <a:picLocks noChangeAspect="1"/>
               </p:cNvPicPr>
               <p:nvPr/>
             </p:nvPicPr>
             <p:blipFill>
-              <a:blip r:embed="rId5"/>
+              <a:blip r:embed="rId2"/>
               <a:stretch>
                 <a:fillRect/>
               </a:stretch>
@@ -6953,20 +7219,14 @@
           </p:pic>
           <p:pic>
             <p:nvPicPr>
-              <p:cNvPr id="16" name="图片 15">
-                <a:extLst>
-                  <a:ext uri="{FF2B5EF4-FFF2-40B4-BE49-F238E27FC236}">
-                    <a16:creationId xmlns:a16="http://schemas.microsoft.com/office/drawing/2014/main" id="{26A3AD85-5BF8-9CC6-A02A-E8F91B7C03FC}"/>
-                  </a:ext>
-                </a:extLst>
-              </p:cNvPr>
+              <p:cNvPr id="16" name="图片 15"/>
               <p:cNvPicPr>
                 <a:picLocks noChangeAspect="1"/>
               </p:cNvPicPr>
               <p:nvPr/>
             </p:nvPicPr>
             <p:blipFill>
-              <a:blip r:embed="rId6"/>
+              <a:blip r:embed="rId3"/>
               <a:stretch>
                 <a:fillRect/>
               </a:stretch>
@@ -6983,13 +7243,7 @@
           </p:pic>
           <p:sp>
             <p:nvSpPr>
-              <p:cNvPr id="32" name="文本框 31">
-                <a:extLst>
-                  <a:ext uri="{FF2B5EF4-FFF2-40B4-BE49-F238E27FC236}">
-                    <a16:creationId xmlns:a16="http://schemas.microsoft.com/office/drawing/2014/main" id="{54E8FA22-CC4C-068A-ED5C-FE955A3A5D55}"/>
-                  </a:ext>
-                </a:extLst>
-              </p:cNvPr>
+              <p:cNvPr id="32" name="文本框 31"/>
               <p:cNvSpPr txBox="1"/>
               <p:nvPr/>
             </p:nvSpPr>
@@ -7007,7 +7261,7 @@
                 <a:spAutoFit/>
                 <a:extLst>
                   <a:ext uri="{4A0BC546-FE56-4ADE-93B0-CB8AF2F6F144}">
-                    <wpsdc:textFrameExt xmlns="" xmlns:wpsdc="http://www.wps.cn/officeDocument/2022/drawingmlCustomData" type="text"/>
+                    <wpsdc:textFrameExt xmlns:wpsdc="http://www.wps.cn/officeDocument/2022/drawingmlCustomData" type="text"/>
                   </a:ext>
                 </a:extLst>
               </a:bodyPr>
@@ -7035,18 +7289,16 @@
                   </a:rPr>
                   <a:t>底层布局图</a:t>
                 </a:r>
+                <a:endParaRPr lang="zh-CN" altLang="en-US" sz="2400" b="1" dirty="0">
+                  <a:latin typeface="楷体" panose="02010609060101010101" charset="-122"/>
+                  <a:ea typeface="楷体" panose="02010609060101010101" charset="-122"/>
+                </a:endParaRPr>
               </a:p>
             </p:txBody>
           </p:sp>
           <p:sp>
             <p:nvSpPr>
-              <p:cNvPr id="33" name="文本框 32">
-                <a:extLst>
-                  <a:ext uri="{FF2B5EF4-FFF2-40B4-BE49-F238E27FC236}">
-                    <a16:creationId xmlns:a16="http://schemas.microsoft.com/office/drawing/2014/main" id="{1C5666D6-C6A5-004B-4A4A-7D7C8449CA64}"/>
-                  </a:ext>
-                </a:extLst>
-              </p:cNvPr>
+              <p:cNvPr id="33" name="文本框 32"/>
               <p:cNvSpPr txBox="1"/>
               <p:nvPr/>
             </p:nvSpPr>
@@ -7064,7 +7316,7 @@
                 <a:spAutoFit/>
                 <a:extLst>
                   <a:ext uri="{4A0BC546-FE56-4ADE-93B0-CB8AF2F6F144}">
-                    <wpsdc:textFrameExt xmlns="" xmlns:wpsdc="http://www.wps.cn/officeDocument/2022/drawingmlCustomData" type="text"/>
+                    <wpsdc:textFrameExt xmlns:wpsdc="http://www.wps.cn/officeDocument/2022/drawingmlCustomData" type="text"/>
                   </a:ext>
                 </a:extLst>
               </a:bodyPr>
@@ -7092,18 +7344,16 @@
                   </a:rPr>
                   <a:t>顶层走线图</a:t>
                 </a:r>
+                <a:endParaRPr lang="zh-CN" altLang="en-US" sz="2400" b="1" dirty="0">
+                  <a:latin typeface="楷体" panose="02010609060101010101" charset="-122"/>
+                  <a:ea typeface="楷体" panose="02010609060101010101" charset="-122"/>
+                </a:endParaRPr>
               </a:p>
             </p:txBody>
           </p:sp>
           <p:sp>
             <p:nvSpPr>
-              <p:cNvPr id="34" name="文本框 33">
-                <a:extLst>
-                  <a:ext uri="{FF2B5EF4-FFF2-40B4-BE49-F238E27FC236}">
-                    <a16:creationId xmlns:a16="http://schemas.microsoft.com/office/drawing/2014/main" id="{3961E113-815B-1135-5F89-2A14DBD64D03}"/>
-                  </a:ext>
-                </a:extLst>
-              </p:cNvPr>
+              <p:cNvPr id="34" name="文本框 33"/>
               <p:cNvSpPr txBox="1"/>
               <p:nvPr/>
             </p:nvSpPr>
@@ -7121,7 +7371,7 @@
                 <a:spAutoFit/>
                 <a:extLst>
                   <a:ext uri="{4A0BC546-FE56-4ADE-93B0-CB8AF2F6F144}">
-                    <wpsdc:textFrameExt xmlns="" xmlns:wpsdc="http://www.wps.cn/officeDocument/2022/drawingmlCustomData" type="text"/>
+                    <wpsdc:textFrameExt xmlns:wpsdc="http://www.wps.cn/officeDocument/2022/drawingmlCustomData" type="text"/>
                   </a:ext>
                 </a:extLst>
               </a:bodyPr>
@@ -7149,26 +7399,24 @@
                   </a:rPr>
                   <a:t>底层走线图</a:t>
                 </a:r>
+                <a:endParaRPr lang="zh-CN" altLang="en-US" sz="2400" b="1" dirty="0">
+                  <a:latin typeface="楷体" panose="02010609060101010101" charset="-122"/>
+                  <a:ea typeface="楷体" panose="02010609060101010101" charset="-122"/>
+                </a:endParaRPr>
               </a:p>
             </p:txBody>
           </p:sp>
         </p:grpSp>
         <p:pic>
           <p:nvPicPr>
-            <p:cNvPr id="37" name="图片 36">
-              <a:extLst>
-                <a:ext uri="{FF2B5EF4-FFF2-40B4-BE49-F238E27FC236}">
-                  <a16:creationId xmlns:a16="http://schemas.microsoft.com/office/drawing/2014/main" id="{1B88048E-7619-CAE0-3561-B3B5EF1F5048}"/>
-                </a:ext>
-              </a:extLst>
-            </p:cNvPr>
+            <p:cNvPr id="37" name="图片 36"/>
             <p:cNvPicPr>
               <a:picLocks noChangeAspect="1"/>
             </p:cNvPicPr>
             <p:nvPr/>
           </p:nvPicPr>
           <p:blipFill>
-            <a:blip r:embed="rId7"/>
+            <a:blip r:embed="rId4"/>
             <a:stretch>
               <a:fillRect/>
             </a:stretch>
@@ -7186,7 +7434,7 @@
       </p:grpSp>
     </p:spTree>
     <p:custDataLst>
-      <p:tags r:id="rId1"/>
+      <p:tags r:id="rId5"/>
     </p:custDataLst>
   </p:cSld>
   <p:clrMapOvr>
@@ -7333,25 +7581,23 @@
               </a:rPr>
               <a:t>与师兄对接完成荧光图像数据集的收集工作，后期将使用这些数据用于验证当前算法和训练新的算法。</a:t>
             </a:r>
+            <a:endParaRPr lang="zh-CN" altLang="en-US" sz="5400" b="1" dirty="0">
+              <a:latin typeface="仿宋" panose="02010609060101010101" charset="-122"/>
+              <a:ea typeface="仿宋" panose="02010609060101010101" charset="-122"/>
+            </a:endParaRPr>
           </a:p>
         </p:txBody>
       </p:sp>
       <p:pic>
         <p:nvPicPr>
-          <p:cNvPr id="3" name="图片 2">
-            <a:extLst>
-              <a:ext uri="{FF2B5EF4-FFF2-40B4-BE49-F238E27FC236}">
-                <a16:creationId xmlns:a16="http://schemas.microsoft.com/office/drawing/2014/main" id="{B5A53A62-62DB-8FD1-AC12-F23FE48D885A}"/>
-              </a:ext>
-            </a:extLst>
-          </p:cNvPr>
+          <p:cNvPr id="3" name="图片 2"/>
           <p:cNvPicPr>
             <a:picLocks noChangeAspect="1"/>
           </p:cNvPicPr>
           <p:nvPr/>
         </p:nvPicPr>
         <p:blipFill>
-          <a:blip r:embed="rId4">
+          <a:blip r:embed="rId1">
             <a:extLst>
               <a:ext uri="{28A0092B-C50C-407E-A947-70E740481C1C}">
                 <a14:useLocalDpi xmlns:a14="http://schemas.microsoft.com/office/drawing/2010/main" val="0"/>
@@ -7374,7 +7620,7 @@
       </p:pic>
     </p:spTree>
     <p:custDataLst>
-      <p:tags r:id="rId1"/>
+      <p:tags r:id="rId2"/>
     </p:custDataLst>
   </p:cSld>
   <p:clrMapOvr>
@@ -7409,7 +7655,7 @@
         <p:spPr>
           <a:xfrm>
             <a:off x="373163" y="257824"/>
-            <a:ext cx="13473463" cy="814582"/>
+            <a:ext cx="13473463" cy="891540"/>
           </a:xfrm>
           <a:prstGeom prst="rect">
             <a:avLst/>
@@ -7438,8 +7684,196 @@
                 </a:solidFill>
                 <a:latin typeface="微软雅黑" panose="020B0503020204020204" pitchFamily="34" charset="-122"/>
                 <a:ea typeface="微软雅黑" panose="020B0503020204020204" pitchFamily="34" charset="-122"/>
+                <a:sym typeface="+mn-ea"/>
               </a:rPr>
               <a:t>3.</a:t>
+            </a:r>
+            <a:r>
+              <a:rPr lang="zh-CN" altLang="en-US" sz="4000" b="1" dirty="0">
+                <a:solidFill>
+                  <a:srgbClr val="002060"/>
+                </a:solidFill>
+                <a:latin typeface="微软雅黑" panose="020B0503020204020204" pitchFamily="34" charset="-122"/>
+                <a:ea typeface="微软雅黑" panose="020B0503020204020204" pitchFamily="34" charset="-122"/>
+                <a:sym typeface="+mn-ea"/>
+              </a:rPr>
+              <a:t>软著修改</a:t>
+            </a:r>
+            <a:r>
+              <a:rPr lang="en-US" altLang="zh-CN" sz="4000" b="1" dirty="0">
+                <a:solidFill>
+                  <a:srgbClr val="002060"/>
+                </a:solidFill>
+                <a:latin typeface="微软雅黑" panose="020B0503020204020204" pitchFamily="34" charset="-122"/>
+                <a:ea typeface="微软雅黑" panose="020B0503020204020204" pitchFamily="34" charset="-122"/>
+                <a:sym typeface="+mn-ea"/>
+              </a:rPr>
+              <a:t>——</a:t>
+            </a:r>
+            <a:r>
+              <a:rPr lang="zh-CN" altLang="en-US" sz="4000" b="1" dirty="0">
+                <a:solidFill>
+                  <a:srgbClr val="002060"/>
+                </a:solidFill>
+                <a:latin typeface="微软雅黑" panose="020B0503020204020204" pitchFamily="34" charset="-122"/>
+                <a:ea typeface="微软雅黑" panose="020B0503020204020204" pitchFamily="34" charset="-122"/>
+                <a:sym typeface="+mn-ea"/>
+              </a:rPr>
+              <a:t>修改完善软著提交材料</a:t>
+            </a:r>
+            <a:endParaRPr lang="zh-CN" altLang="en-US" sz="4000" b="1" dirty="0">
+              <a:solidFill>
+                <a:srgbClr val="002060"/>
+              </a:solidFill>
+              <a:latin typeface="微软雅黑" panose="020B0503020204020204" pitchFamily="34" charset="-122"/>
+              <a:ea typeface="微软雅黑" panose="020B0503020204020204" pitchFamily="34" charset="-122"/>
+              <a:sym typeface="+mn-ea"/>
+            </a:endParaRPr>
+          </a:p>
+        </p:txBody>
+      </p:sp>
+      <p:sp>
+        <p:nvSpPr>
+          <p:cNvPr id="14" name="文本框 13"/>
+          <p:cNvSpPr txBox="1"/>
+          <p:nvPr/>
+        </p:nvSpPr>
+        <p:spPr>
+          <a:xfrm>
+            <a:off x="14635480" y="3769360"/>
+            <a:ext cx="6231255" cy="5905500"/>
+          </a:xfrm>
+          <a:prstGeom prst="rect">
+            <a:avLst/>
+          </a:prstGeom>
+          <a:noFill/>
+        </p:spPr>
+        <p:txBody>
+          <a:bodyPr wrap="square">
+            <a:noAutofit/>
+          </a:bodyPr>
+          <a:lstStyle/>
+          <a:p>
+            <a:r>
+              <a:rPr lang="en-US" altLang="zh-CN" sz="5400" b="1" dirty="0">
+                <a:latin typeface="仿宋" panose="02010609060101010101" charset="-122"/>
+                <a:ea typeface="仿宋" panose="02010609060101010101" charset="-122"/>
+              </a:rPr>
+              <a:t>  </a:t>
+            </a:r>
+            <a:r>
+              <a:rPr lang="zh-CN" altLang="en-US" sz="5400" b="1" dirty="0">
+                <a:latin typeface="仿宋" panose="02010609060101010101" charset="-122"/>
+                <a:ea typeface="仿宋" panose="02010609060101010101" charset="-122"/>
+              </a:rPr>
+              <a:t>按照科创中心的模板和修改意见完成了软著材料的最终修改，现已通过科创专员的审核，准备</a:t>
+            </a:r>
+            <a:r>
+              <a:rPr lang="zh-CN" altLang="en-US" sz="5400" b="1" dirty="0">
+                <a:latin typeface="仿宋" panose="02010609060101010101" charset="-122"/>
+                <a:ea typeface="仿宋" panose="02010609060101010101" charset="-122"/>
+              </a:rPr>
+              <a:t>投递。</a:t>
+            </a:r>
+            <a:endParaRPr lang="zh-CN" altLang="en-US" sz="5400" b="1" dirty="0">
+              <a:latin typeface="仿宋" panose="02010609060101010101" charset="-122"/>
+              <a:ea typeface="仿宋" panose="02010609060101010101" charset="-122"/>
+            </a:endParaRPr>
+          </a:p>
+        </p:txBody>
+      </p:sp>
+      <p:pic>
+        <p:nvPicPr>
+          <p:cNvPr id="2" name="图片 1"/>
+          <p:cNvPicPr>
+            <a:picLocks noChangeAspect="1"/>
+          </p:cNvPicPr>
+          <p:nvPr/>
+        </p:nvPicPr>
+        <p:blipFill>
+          <a:blip r:embed="rId1"/>
+          <a:stretch>
+            <a:fillRect/>
+          </a:stretch>
+        </p:blipFill>
+        <p:spPr>
+          <a:xfrm>
+            <a:off x="1431925" y="1149350"/>
+            <a:ext cx="12115800" cy="10847070"/>
+          </a:xfrm>
+          <a:prstGeom prst="rect">
+            <a:avLst/>
+          </a:prstGeom>
+        </p:spPr>
+      </p:pic>
+    </p:spTree>
+    <p:custDataLst>
+      <p:tags r:id="rId2"/>
+    </p:custDataLst>
+  </p:cSld>
+  <p:clrMapOvr>
+    <a:masterClrMapping/>
+  </p:clrMapOvr>
+</p:sld>
+</file>
+
+<file path=ppt/slides/slide5.xml><?xml version="1.0" encoding="utf-8"?>
+<p:sld xmlns:a="http://schemas.openxmlformats.org/drawingml/2006/main" xmlns:r="http://schemas.openxmlformats.org/officeDocument/2006/relationships" xmlns:p="http://schemas.openxmlformats.org/presentationml/2006/main">
+  <p:cSld>
+    <p:spTree>
+      <p:nvGrpSpPr>
+        <p:cNvPr id="1" name=""/>
+        <p:cNvGrpSpPr/>
+        <p:nvPr/>
+      </p:nvGrpSpPr>
+      <p:grpSpPr>
+        <a:xfrm>
+          <a:off x="0" y="0"/>
+          <a:ext cx="0" cy="0"/>
+          <a:chOff x="0" y="0"/>
+          <a:chExt cx="0" cy="0"/>
+        </a:xfrm>
+      </p:grpSpPr>
+      <p:sp>
+        <p:nvSpPr>
+          <p:cNvPr id="15" name="矩形 14"/>
+          <p:cNvSpPr/>
+          <p:nvPr/>
+        </p:nvSpPr>
+        <p:spPr>
+          <a:xfrm>
+            <a:off x="373163" y="257824"/>
+            <a:ext cx="13473463" cy="891540"/>
+          </a:xfrm>
+          <a:prstGeom prst="rect">
+            <a:avLst/>
+          </a:prstGeom>
+        </p:spPr>
+        <p:txBody>
+          <a:bodyPr wrap="square">
+            <a:spAutoFit/>
+          </a:bodyPr>
+          <a:lstStyle/>
+          <a:p>
+            <a:pPr marL="508000" indent="-508000" defTabSz="1625600">
+              <a:lnSpc>
+                <a:spcPct val="130000"/>
+              </a:lnSpc>
+              <a:spcAft>
+                <a:spcPts val="1065"/>
+              </a:spcAft>
+              <a:buFont typeface="Wingdings" panose="05000000000000000000" pitchFamily="2" charset="2"/>
+              <a:buChar char="Ø"/>
+            </a:pPr>
+            <a:r>
+              <a:rPr lang="en-US" altLang="zh-CN" sz="4000" b="1" dirty="0">
+                <a:solidFill>
+                  <a:srgbClr val="002060"/>
+                </a:solidFill>
+                <a:latin typeface="微软雅黑" panose="020B0503020204020204" pitchFamily="34" charset="-122"/>
+                <a:ea typeface="微软雅黑" panose="020B0503020204020204" pitchFamily="34" charset="-122"/>
+              </a:rPr>
+              <a:t>4.</a:t>
             </a:r>
             <a:r>
               <a:rPr lang="zh-CN" altLang="en-US" sz="4000" b="1" dirty="0">
@@ -7474,6 +7908,14 @@
               </a:rPr>
               <a:t>参加学术会议，学习前沿文献</a:t>
             </a:r>
+            <a:endParaRPr lang="zh-CN" altLang="en-US" sz="4000" b="1" dirty="0">
+              <a:solidFill>
+                <a:srgbClr val="002060"/>
+              </a:solidFill>
+              <a:latin typeface="微软雅黑" panose="020B0503020204020204" pitchFamily="34" charset="-122"/>
+              <a:ea typeface="微软雅黑" panose="020B0503020204020204" pitchFamily="34" charset="-122"/>
+              <a:sym typeface="+mn-ea"/>
+            </a:endParaRPr>
           </a:p>
         </p:txBody>
       </p:sp>
@@ -7513,25 +7955,23 @@
               </a:rPr>
               <a:t>参加生物传感器小组组会，和学术会议，学习路径前沿的研究进展。</a:t>
             </a:r>
+            <a:endParaRPr lang="zh-CN" altLang="en-US" sz="5400" b="1" dirty="0">
+              <a:latin typeface="仿宋" panose="02010609060101010101" charset="-122"/>
+              <a:ea typeface="仿宋" panose="02010609060101010101" charset="-122"/>
+            </a:endParaRPr>
           </a:p>
         </p:txBody>
       </p:sp>
       <p:pic>
         <p:nvPicPr>
-          <p:cNvPr id="4" name="图片 3">
-            <a:extLst>
-              <a:ext uri="{FF2B5EF4-FFF2-40B4-BE49-F238E27FC236}">
-                <a16:creationId xmlns:a16="http://schemas.microsoft.com/office/drawing/2014/main" id="{887EA59B-6048-3913-145E-C80093D65414}"/>
-              </a:ext>
-            </a:extLst>
-          </p:cNvPr>
+          <p:cNvPr id="4" name="图片 3"/>
           <p:cNvPicPr>
             <a:picLocks noChangeAspect="1"/>
           </p:cNvPicPr>
           <p:nvPr/>
         </p:nvPicPr>
         <p:blipFill>
-          <a:blip r:embed="rId4">
+          <a:blip r:embed="rId1">
             <a:extLst>
               <a:ext uri="{28A0092B-C50C-407E-A947-70E740481C1C}">
                 <a14:useLocalDpi xmlns:a14="http://schemas.microsoft.com/office/drawing/2010/main" val="0"/>
@@ -7554,20 +7994,14 @@
       </p:pic>
       <p:pic>
         <p:nvPicPr>
-          <p:cNvPr id="6" name="图片 5">
-            <a:extLst>
-              <a:ext uri="{FF2B5EF4-FFF2-40B4-BE49-F238E27FC236}">
-                <a16:creationId xmlns:a16="http://schemas.microsoft.com/office/drawing/2014/main" id="{7DA8448B-75A2-B08D-5430-B417EAAB2188}"/>
-              </a:ext>
-            </a:extLst>
-          </p:cNvPr>
+          <p:cNvPr id="6" name="图片 5"/>
           <p:cNvPicPr>
             <a:picLocks noChangeAspect="1"/>
           </p:cNvPicPr>
           <p:nvPr/>
         </p:nvPicPr>
         <p:blipFill>
-          <a:blip r:embed="rId5">
+          <a:blip r:embed="rId2">
             <a:extLst>
               <a:ext uri="{28A0092B-C50C-407E-A947-70E740481C1C}">
                 <a14:useLocalDpi xmlns:a14="http://schemas.microsoft.com/office/drawing/2010/main" val="0"/>
@@ -7590,20 +8024,14 @@
       </p:pic>
       <p:pic>
         <p:nvPicPr>
-          <p:cNvPr id="3" name="图片 2">
-            <a:extLst>
-              <a:ext uri="{FF2B5EF4-FFF2-40B4-BE49-F238E27FC236}">
-                <a16:creationId xmlns:a16="http://schemas.microsoft.com/office/drawing/2014/main" id="{C3CBF74E-3606-1069-D2DD-254F96209985}"/>
-              </a:ext>
-            </a:extLst>
-          </p:cNvPr>
+          <p:cNvPr id="3" name="图片 2"/>
           <p:cNvPicPr>
             <a:picLocks noChangeAspect="1"/>
           </p:cNvPicPr>
           <p:nvPr/>
         </p:nvPicPr>
         <p:blipFill>
-          <a:blip r:embed="rId6">
+          <a:blip r:embed="rId3">
             <a:extLst>
               <a:ext uri="{28A0092B-C50C-407E-A947-70E740481C1C}">
                 <a14:useLocalDpi xmlns:a14="http://schemas.microsoft.com/office/drawing/2010/main" val="0"/>
@@ -7626,20 +8054,14 @@
       </p:pic>
       <p:pic>
         <p:nvPicPr>
-          <p:cNvPr id="7" name="图片 6">
-            <a:extLst>
-              <a:ext uri="{FF2B5EF4-FFF2-40B4-BE49-F238E27FC236}">
-                <a16:creationId xmlns:a16="http://schemas.microsoft.com/office/drawing/2014/main" id="{25E101D4-B143-D4CD-AA08-532B97C58897}"/>
-              </a:ext>
-            </a:extLst>
-          </p:cNvPr>
+          <p:cNvPr id="7" name="图片 6"/>
           <p:cNvPicPr>
             <a:picLocks noChangeAspect="1"/>
           </p:cNvPicPr>
           <p:nvPr/>
         </p:nvPicPr>
         <p:blipFill>
-          <a:blip r:embed="rId7">
+          <a:blip r:embed="rId4">
             <a:extLst>
               <a:ext uri="{28A0092B-C50C-407E-A947-70E740481C1C}">
                 <a14:useLocalDpi xmlns:a14="http://schemas.microsoft.com/office/drawing/2010/main" val="0"/>
@@ -7662,7 +8084,7 @@
       </p:pic>
     </p:spTree>
     <p:custDataLst>
-      <p:tags r:id="rId1"/>
+      <p:tags r:id="rId5"/>
     </p:custDataLst>
   </p:cSld>
   <p:clrMapOvr>
@@ -7672,13 +8094,22 @@
 </file>
 
 <file path=ppt/tags/tag1.xml><?xml version="1.0" encoding="utf-8"?>
-<p:tagLst xmlns:a="http://schemas.openxmlformats.org/drawingml/2006/main" xmlns:r="http://schemas.openxmlformats.org/officeDocument/2006/relationships" xmlns:p="http://schemas.openxmlformats.org/presentationml/2006/main">
-  <p:tag name="COMMONDATA" val="eyJoZGlkIjoiOWRhYTQ4MWJhYTY5NDkxMzUyNjRmODllNWQxOTAzMTUifQ=="/>
+<p:tagLst xmlns:p="http://schemas.openxmlformats.org/presentationml/2006/main">
+  <p:tag name="KSO_WM_TEMPLATE_CATEGORY" val="preset"/>
+  <p:tag name="KSO_WM_TEMPLATE_INDEX" val="11"/>
+  <p:tag name="KSO_WM_TAG_VERSION" val="1.0"/>
+  <p:tag name="KSO_WM_SLIDE_ID" val="256"/>
+  <p:tag name="KSO_WM_SLIDE_INDEX" val="1"/>
+  <p:tag name="KSO_WM_SLIDE_ITEM_CNT" val="2"/>
+  <p:tag name="KSO_WM_SLIDE_LAYOUT" val="a_b"/>
+  <p:tag name="KSO_WM_SLIDE_LAYOUT_CNT" val="1_1"/>
+  <p:tag name="KSO_WM_SLIDE_TYPE" val="title"/>
+  <p:tag name="KSO_WM_BEAUTIFY_FLAG" val="#wm#"/>
 </p:tagLst>
 </file>
 
 <file path=ppt/tags/tag2.xml><?xml version="1.0" encoding="utf-8"?>
-<p:tagLst xmlns:a="http://schemas.openxmlformats.org/drawingml/2006/main" xmlns:r="http://schemas.openxmlformats.org/officeDocument/2006/relationships" xmlns:p="http://schemas.openxmlformats.org/presentationml/2006/main">
+<p:tagLst xmlns:p="http://schemas.openxmlformats.org/presentationml/2006/main">
   <p:tag name="KSO_WM_TEMPLATE_CATEGORY" val="preset"/>
   <p:tag name="KSO_WM_TEMPLATE_INDEX" val="11"/>
   <p:tag name="KSO_WM_TAG_VERSION" val="1.0"/>
@@ -7693,7 +8124,7 @@
 </file>
 
 <file path=ppt/tags/tag3.xml><?xml version="1.0" encoding="utf-8"?>
-<p:tagLst xmlns:a="http://schemas.openxmlformats.org/drawingml/2006/main" xmlns:r="http://schemas.openxmlformats.org/officeDocument/2006/relationships" xmlns:p="http://schemas.openxmlformats.org/presentationml/2006/main">
+<p:tagLst xmlns:p="http://schemas.openxmlformats.org/presentationml/2006/main">
   <p:tag name="KSO_WM_TEMPLATE_CATEGORY" val="preset"/>
   <p:tag name="KSO_WM_TEMPLATE_INDEX" val="11"/>
   <p:tag name="KSO_WM_TAG_VERSION" val="1.0"/>
@@ -7708,7 +8139,7 @@
 </file>
 
 <file path=ppt/tags/tag4.xml><?xml version="1.0" encoding="utf-8"?>
-<p:tagLst xmlns:a="http://schemas.openxmlformats.org/drawingml/2006/main" xmlns:r="http://schemas.openxmlformats.org/officeDocument/2006/relationships" xmlns:p="http://schemas.openxmlformats.org/presentationml/2006/main">
+<p:tagLst xmlns:p="http://schemas.openxmlformats.org/presentationml/2006/main">
   <p:tag name="KSO_WM_TEMPLATE_CATEGORY" val="preset"/>
   <p:tag name="KSO_WM_TEMPLATE_INDEX" val="11"/>
   <p:tag name="KSO_WM_TAG_VERSION" val="1.0"/>
@@ -7723,7 +8154,7 @@
 </file>
 
 <file path=ppt/tags/tag5.xml><?xml version="1.0" encoding="utf-8"?>
-<p:tagLst xmlns:a="http://schemas.openxmlformats.org/drawingml/2006/main" xmlns:r="http://schemas.openxmlformats.org/officeDocument/2006/relationships" xmlns:p="http://schemas.openxmlformats.org/presentationml/2006/main">
+<p:tagLst xmlns:p="http://schemas.openxmlformats.org/presentationml/2006/main">
   <p:tag name="KSO_WM_TEMPLATE_CATEGORY" val="preset"/>
   <p:tag name="KSO_WM_TEMPLATE_INDEX" val="11"/>
   <p:tag name="KSO_WM_TAG_VERSION" val="1.0"/>
@@ -7734,6 +8165,12 @@
   <p:tag name="KSO_WM_SLIDE_LAYOUT_CNT" val="1_1"/>
   <p:tag name="KSO_WM_SLIDE_TYPE" val="title"/>
   <p:tag name="KSO_WM_BEAUTIFY_FLAG" val="#wm#"/>
+</p:tagLst>
+</file>
+
+<file path=ppt/tags/tag6.xml><?xml version="1.0" encoding="utf-8"?>
+<p:tagLst xmlns:p="http://schemas.openxmlformats.org/presentationml/2006/main">
+  <p:tag name="COMMONDATA" val="eyJoZGlkIjoiOWRhYTQ4MWJhYTY5NDkxMzUyNjRmODllNWQxOTAzMTUifQ=="/>
 </p:tagLst>
 </file>
 
@@ -7988,8 +8425,6 @@
       </a:bgFillStyleLst>
     </a:fmtScheme>
   </a:themeElements>
-  <a:objectDefaults/>
-  <a:extraClrSchemeLst/>
   <a:extLst>
     <a:ext uri="{05A4C25C-085E-4340-85A3-A5531E510DB2}">
       <thm15:themeFamily xmlns:thm15="http://schemas.microsoft.com/office/thememl/2012/main" name="Office Theme" id="{62F939B6-93AF-4DB8-9C6B-D6C7DFDC589F}" vid="{4A3C46E8-61CC-4603-A589-7422A47A8E4A}"/>
@@ -8249,8 +8684,6 @@
       </a:bgFillStyleLst>
     </a:fmtScheme>
   </a:themeElements>
-  <a:objectDefaults/>
-  <a:extraClrSchemeLst/>
   <a:extLst>
     <a:ext uri="{05A4C25C-085E-4340-85A3-A5531E510DB2}">
       <thm15:themeFamily xmlns:thm15="http://schemas.microsoft.com/office/thememl/2012/main" name="Office Theme" id="{62F939B6-93AF-4DB8-9C6B-D6C7DFDC589F}" vid="{4A3C46E8-61CC-4603-A589-7422A47A8E4A}"/>
@@ -8510,8 +8943,6 @@
       </a:bgFillStyleLst>
     </a:fmtScheme>
   </a:themeElements>
-  <a:objectDefaults/>
-  <a:extraClrSchemeLst/>
   <a:extLst>
     <a:ext uri="{05A4C25C-085E-4340-85A3-A5531E510DB2}">
       <thm15:themeFamily xmlns:thm15="http://schemas.microsoft.com/office/thememl/2012/main" name="Office Theme" id="{62F939B6-93AF-4DB8-9C6B-D6C7DFDC589F}" vid="{4A3C46E8-61CC-4603-A589-7422A47A8E4A}"/>
